--- a/Interactive_Portfolio_Presentation (1).pptx
+++ b/Interactive_Portfolio_Presentation (1).pptx
@@ -6,31 +6,30 @@
   </p:sldMasterIdLst>
   <p:sldIdLst>
     <p:sldId id="256" r:id="rId2"/>
-    <p:sldId id="271" r:id="rId3"/>
-    <p:sldId id="257" r:id="rId4"/>
-    <p:sldId id="258" r:id="rId5"/>
-    <p:sldId id="279" r:id="rId6"/>
-    <p:sldId id="280" r:id="rId7"/>
-    <p:sldId id="259" r:id="rId8"/>
-    <p:sldId id="281" r:id="rId9"/>
-    <p:sldId id="282" r:id="rId10"/>
-    <p:sldId id="260" r:id="rId11"/>
-    <p:sldId id="272" r:id="rId12"/>
-    <p:sldId id="273" r:id="rId13"/>
-    <p:sldId id="275" r:id="rId14"/>
-    <p:sldId id="274" r:id="rId15"/>
-    <p:sldId id="261" r:id="rId16"/>
-    <p:sldId id="266" r:id="rId17"/>
-    <p:sldId id="267" r:id="rId18"/>
-    <p:sldId id="268" r:id="rId19"/>
-    <p:sldId id="269" r:id="rId20"/>
-    <p:sldId id="270" r:id="rId21"/>
-    <p:sldId id="276" r:id="rId22"/>
-    <p:sldId id="277" r:id="rId23"/>
-    <p:sldId id="278" r:id="rId24"/>
-    <p:sldId id="262" r:id="rId25"/>
-    <p:sldId id="264" r:id="rId26"/>
-    <p:sldId id="265" r:id="rId27"/>
+    <p:sldId id="257" r:id="rId3"/>
+    <p:sldId id="258" r:id="rId4"/>
+    <p:sldId id="279" r:id="rId5"/>
+    <p:sldId id="280" r:id="rId6"/>
+    <p:sldId id="259" r:id="rId7"/>
+    <p:sldId id="281" r:id="rId8"/>
+    <p:sldId id="282" r:id="rId9"/>
+    <p:sldId id="260" r:id="rId10"/>
+    <p:sldId id="272" r:id="rId11"/>
+    <p:sldId id="273" r:id="rId12"/>
+    <p:sldId id="284" r:id="rId13"/>
+    <p:sldId id="285" r:id="rId14"/>
+    <p:sldId id="286" r:id="rId15"/>
+    <p:sldId id="287" r:id="rId16"/>
+    <p:sldId id="288" r:id="rId17"/>
+    <p:sldId id="266" r:id="rId18"/>
+    <p:sldId id="267" r:id="rId19"/>
+    <p:sldId id="268" r:id="rId20"/>
+    <p:sldId id="269" r:id="rId21"/>
+    <p:sldId id="270" r:id="rId22"/>
+    <p:sldId id="261" r:id="rId23"/>
+    <p:sldId id="262" r:id="rId24"/>
+    <p:sldId id="264" r:id="rId25"/>
+    <p:sldId id="265" r:id="rId26"/>
   </p:sldIdLst>
   <p:sldSz cx="9144000" cy="6858000" type="screen4x3"/>
   <p:notesSz cx="6858000" cy="9144000"/>
@@ -427,7 +426,7 @@
           <a:p>
             <a:fld id="{5BCAD085-E8A6-8845-BD4E-CB4CCA059FC4}" type="datetimeFigureOut">
               <a:rPr lang="en-US" smtClean="0"/>
-              <a:t>9/20/2025</a:t>
+              <a:t>9/30/2025</a:t>
             </a:fld>
             <a:endParaRPr lang="en-US"/>
           </a:p>
@@ -859,7 +858,7 @@
           <a:p>
             <a:fld id="{5BCAD085-E8A6-8845-BD4E-CB4CCA059FC4}" type="datetimeFigureOut">
               <a:rPr lang="en-US" smtClean="0"/>
-              <a:t>9/20/2025</a:t>
+              <a:t>9/30/2025</a:t>
             </a:fld>
             <a:endParaRPr lang="en-US"/>
           </a:p>
@@ -1208,7 +1207,7 @@
           <a:p>
             <a:fld id="{5BCAD085-E8A6-8845-BD4E-CB4CCA059FC4}" type="datetimeFigureOut">
               <a:rPr lang="en-US" smtClean="0"/>
-              <a:t>9/20/2025</a:t>
+              <a:t>9/30/2025</a:t>
             </a:fld>
             <a:endParaRPr lang="en-US"/>
           </a:p>
@@ -1626,7 +1625,7 @@
           <a:p>
             <a:fld id="{5BCAD085-E8A6-8845-BD4E-CB4CCA059FC4}" type="datetimeFigureOut">
               <a:rPr lang="en-US" smtClean="0"/>
-              <a:t>9/20/2025</a:t>
+              <a:t>9/30/2025</a:t>
             </a:fld>
             <a:endParaRPr lang="en-US"/>
           </a:p>
@@ -2207,7 +2206,7 @@
           <a:p>
             <a:fld id="{5BCAD085-E8A6-8845-BD4E-CB4CCA059FC4}" type="datetimeFigureOut">
               <a:rPr lang="en-US" smtClean="0"/>
-              <a:t>9/20/2025</a:t>
+              <a:t>9/30/2025</a:t>
             </a:fld>
             <a:endParaRPr lang="en-US"/>
           </a:p>
@@ -2901,7 +2900,7 @@
           <a:p>
             <a:fld id="{5BCAD085-E8A6-8845-BD4E-CB4CCA059FC4}" type="datetimeFigureOut">
               <a:rPr lang="en-US" smtClean="0"/>
-              <a:t>9/20/2025</a:t>
+              <a:t>9/30/2025</a:t>
             </a:fld>
             <a:endParaRPr lang="en-US"/>
           </a:p>
@@ -3827,7 +3826,7 @@
           <a:p>
             <a:fld id="{5BCAD085-E8A6-8845-BD4E-CB4CCA059FC4}" type="datetimeFigureOut">
               <a:rPr lang="en-US" smtClean="0"/>
-              <a:t>9/20/2025</a:t>
+              <a:t>9/30/2025</a:t>
             </a:fld>
             <a:endParaRPr lang="en-US"/>
           </a:p>
@@ -4158,7 +4157,7 @@
           <a:p>
             <a:fld id="{5BCAD085-E8A6-8845-BD4E-CB4CCA059FC4}" type="datetimeFigureOut">
               <a:rPr lang="en-US" smtClean="0"/>
-              <a:t>9/20/2025</a:t>
+              <a:t>9/30/2025</a:t>
             </a:fld>
             <a:endParaRPr lang="en-US"/>
           </a:p>
@@ -4437,7 +4436,7 @@
           <a:p>
             <a:fld id="{5BCAD085-E8A6-8845-BD4E-CB4CCA059FC4}" type="datetimeFigureOut">
               <a:rPr lang="en-US" smtClean="0"/>
-              <a:t>9/20/2025</a:t>
+              <a:t>9/30/2025</a:t>
             </a:fld>
             <a:endParaRPr lang="en-US"/>
           </a:p>
@@ -4626,7 +4625,7 @@
           <a:p>
             <a:fld id="{5BCAD085-E8A6-8845-BD4E-CB4CCA059FC4}" type="datetimeFigureOut">
               <a:rPr lang="en-US" smtClean="0"/>
-              <a:t>9/20/2025</a:t>
+              <a:t>9/30/2025</a:t>
             </a:fld>
             <a:endParaRPr lang="en-US"/>
           </a:p>
@@ -4948,7 +4947,7 @@
           <a:p>
             <a:fld id="{5BCAD085-E8A6-8845-BD4E-CB4CCA059FC4}" type="datetimeFigureOut">
               <a:rPr lang="en-US" smtClean="0"/>
-              <a:t>9/20/2025</a:t>
+              <a:t>9/30/2025</a:t>
             </a:fld>
             <a:endParaRPr lang="en-US"/>
           </a:p>
@@ -5355,7 +5354,7 @@
           <a:p>
             <a:fld id="{5BCAD085-E8A6-8845-BD4E-CB4CCA059FC4}" type="datetimeFigureOut">
               <a:rPr lang="en-US" smtClean="0"/>
-              <a:t>9/20/2025</a:t>
+              <a:t>9/30/2025</a:t>
             </a:fld>
             <a:endParaRPr lang="en-US"/>
           </a:p>
@@ -5754,7 +5753,7 @@
           <a:p>
             <a:fld id="{5BCAD085-E8A6-8845-BD4E-CB4CCA059FC4}" type="datetimeFigureOut">
               <a:rPr lang="en-US" smtClean="0"/>
-              <a:t>9/20/2025</a:t>
+              <a:t>9/30/2025</a:t>
             </a:fld>
             <a:endParaRPr lang="en-US"/>
           </a:p>
@@ -6273,7 +6272,7 @@
           <a:p>
             <a:fld id="{5BCAD085-E8A6-8845-BD4E-CB4CCA059FC4}" type="datetimeFigureOut">
               <a:rPr lang="en-US" smtClean="0"/>
-              <a:t>9/20/2025</a:t>
+              <a:t>9/30/2025</a:t>
             </a:fld>
             <a:endParaRPr lang="en-US"/>
           </a:p>
@@ -6543,7 +6542,7 @@
           <a:p>
             <a:fld id="{5BCAD085-E8A6-8845-BD4E-CB4CCA059FC4}" type="datetimeFigureOut">
               <a:rPr lang="en-US" smtClean="0"/>
-              <a:t>9/20/2025</a:t>
+              <a:t>9/30/2025</a:t>
             </a:fld>
             <a:endParaRPr lang="en-US"/>
           </a:p>
@@ -6705,7 +6704,7 @@
           <a:p>
             <a:fld id="{5BCAD085-E8A6-8845-BD4E-CB4CCA059FC4}" type="datetimeFigureOut">
               <a:rPr lang="en-US" smtClean="0"/>
-              <a:t>9/20/2025</a:t>
+              <a:t>9/30/2025</a:t>
             </a:fld>
             <a:endParaRPr lang="en-US"/>
           </a:p>
@@ -7108,7 +7107,7 @@
           <a:p>
             <a:fld id="{5BCAD085-E8A6-8845-BD4E-CB4CCA059FC4}" type="datetimeFigureOut">
               <a:rPr lang="en-US" smtClean="0"/>
-              <a:t>9/20/2025</a:t>
+              <a:t>9/30/2025</a:t>
             </a:fld>
             <a:endParaRPr lang="en-US"/>
           </a:p>
@@ -7530,7 +7529,7 @@
           <a:p>
             <a:fld id="{5BCAD085-E8A6-8845-BD4E-CB4CCA059FC4}" type="datetimeFigureOut">
               <a:rPr lang="en-US" smtClean="0"/>
-              <a:t>9/20/2025</a:t>
+              <a:t>9/30/2025</a:t>
             </a:fld>
             <a:endParaRPr lang="en-US"/>
           </a:p>
@@ -7645,7 +7644,7 @@
           </a:prstGeom>
           <a:extLst>
             <a:ext uri="{909E8E84-426E-40dd-AFC4-6F175D3DCCD1}">
-              <a14:hiddenFill xmlns:a14="http://schemas.microsoft.com/office/drawing/2010/main" xmlns="">
+              <a14:hiddenFill xmlns="" xmlns:a14="http://schemas.microsoft.com/office/drawing/2010/main">
                 <a:solidFill>
                   <a:srgbClr val="FFFFFF"/>
                 </a:solidFill>
@@ -7784,7 +7783,7 @@
           <a:p>
             <a:fld id="{5BCAD085-E8A6-8845-BD4E-CB4CCA059FC4}" type="datetimeFigureOut">
               <a:rPr lang="en-US" smtClean="0"/>
-              <a:t>9/20/2025</a:t>
+              <a:t>9/30/2025</a:t>
             </a:fld>
             <a:endParaRPr lang="en-US"/>
           </a:p>
@@ -8238,26 +8237,306 @@
         </p:nvSpPr>
         <p:spPr>
           <a:xfrm>
-            <a:off x="471409" y="1277215"/>
-            <a:ext cx="6108101" cy="1117687"/>
+            <a:off x="510242" y="4455988"/>
+            <a:ext cx="7955331" cy="2013637"/>
           </a:xfrm>
+          <a:noFill/>
+          <a:ln>
+            <a:noFill/>
+          </a:ln>
         </p:spPr>
+        <p:style>
+          <a:lnRef idx="0">
+            <a:scrgbClr r="0" g="0" b="0"/>
+          </a:lnRef>
+          <a:fillRef idx="0">
+            <a:scrgbClr r="0" g="0" b="0"/>
+          </a:fillRef>
+          <a:effectRef idx="0">
+            <a:scrgbClr r="0" g="0" b="0"/>
+          </a:effectRef>
+          <a:fontRef idx="minor">
+            <a:schemeClr val="dk1"/>
+          </a:fontRef>
+        </p:style>
         <p:txBody>
           <a:bodyPr>
-            <a:normAutofit/>
+            <a:normAutofit fontScale="25000" lnSpcReduction="20000"/>
           </a:bodyPr>
           <a:lstStyle/>
           <a:p>
-            <a:pPr algn="ctr"/>
+            <a:pPr algn="l">
+              <a:lnSpc>
+                <a:spcPct val="120000"/>
+              </a:lnSpc>
+            </a:pPr>
+            <a:r>
+              <a:rPr lang="en-IN" sz="8000" dirty="0"/>
+              <a:t> Presented by: Kuldeep Kirit Prajapati </a:t>
+            </a:r>
+            <a:br>
+              <a:rPr lang="en-IN" sz="8000" dirty="0"/>
+            </a:br>
+            <a:r>
+              <a:rPr lang="en-IN" sz="8000" b="1" dirty="0"/>
+              <a:t> </a:t>
+            </a:r>
+            <a:r>
+              <a:rPr lang="en-IN" sz="8000" dirty="0"/>
+              <a:t>Drs. Kiran and Pallavi Patel Global University Vadodara (KPGU)</a:t>
+            </a:r>
+            <a:br>
+              <a:rPr lang="en-IN" sz="8000" dirty="0"/>
+            </a:br>
+            <a:r>
+              <a:rPr lang="en-IN" sz="8000" dirty="0"/>
+              <a:t> Computer Science and Engineering</a:t>
+            </a:r>
+            <a:br>
+              <a:rPr lang="en-IN" sz="8000" dirty="0"/>
+            </a:br>
+            <a:br>
+              <a:rPr lang="en-IN" sz="4800" b="1" dirty="0"/>
+            </a:br>
             <a:r>
               <a:rPr lang="en-IN" sz="4800" b="1" dirty="0">
                 <a:latin typeface="Eras Light ITC" panose="020B0402030504020804" pitchFamily="34" charset="0"/>
               </a:rPr>
-              <a:t> </a:t>
+              <a:t>  </a:t>
             </a:r>
             <a:endParaRPr sz="4800" b="1" dirty="0">
               <a:latin typeface="Eras Light ITC" panose="020B0402030504020804" pitchFamily="34" charset="0"/>
             </a:endParaRPr>
+          </a:p>
+        </p:txBody>
+      </p:sp>
+      <p:sp>
+        <p:nvSpPr>
+          <p:cNvPr id="4" name="Subtitle 2">
+            <a:extLst>
+              <a:ext uri="{FF2B5EF4-FFF2-40B4-BE49-F238E27FC236}">
+                <a16:creationId xmlns:a16="http://schemas.microsoft.com/office/drawing/2014/main" id="{3651476E-015E-56DE-1363-3404EEDF957E}"/>
+              </a:ext>
+            </a:extLst>
+          </p:cNvPr>
+          <p:cNvSpPr txBox="1">
+            <a:spLocks/>
+          </p:cNvSpPr>
+          <p:nvPr/>
+        </p:nvSpPr>
+        <p:spPr>
+          <a:xfrm>
+            <a:off x="668594" y="1241582"/>
+            <a:ext cx="7472516" cy="658761"/>
+          </a:xfrm>
+          <a:prstGeom prst="rect">
+            <a:avLst/>
+          </a:prstGeom>
+          <a:solidFill>
+            <a:schemeClr val="accent6">
+              <a:alpha val="50000"/>
+            </a:schemeClr>
+          </a:solidFill>
+          <a:ln>
+            <a:noFill/>
+          </a:ln>
+        </p:spPr>
+        <p:style>
+          <a:lnRef idx="0">
+            <a:scrgbClr r="0" g="0" b="0"/>
+          </a:lnRef>
+          <a:fillRef idx="0">
+            <a:scrgbClr r="0" g="0" b="0"/>
+          </a:fillRef>
+          <a:effectRef idx="0">
+            <a:scrgbClr r="0" g="0" b="0"/>
+          </a:effectRef>
+          <a:fontRef idx="minor">
+            <a:schemeClr val="lt1"/>
+          </a:fontRef>
+        </p:style>
+        <p:txBody>
+          <a:bodyPr vert="horz" lIns="91440" tIns="45720" rIns="91440" bIns="45720" rtlCol="0">
+            <a:normAutofit fontScale="92500" lnSpcReduction="10000"/>
+          </a:bodyPr>
+          <a:lstStyle>
+            <a:lvl1pPr marL="0" indent="0" algn="r" defTabSz="914400" rtl="0" eaLnBrk="1" latinLnBrk="0" hangingPunct="1">
+              <a:lnSpc>
+                <a:spcPct val="90000"/>
+              </a:lnSpc>
+              <a:spcBef>
+                <a:spcPts val="1000"/>
+              </a:spcBef>
+              <a:buFont typeface="Arial" panose="020B0604020202020204" pitchFamily="34" charset="0"/>
+              <a:buNone/>
+              <a:defRPr sz="2000" kern="1200">
+                <a:solidFill>
+                  <a:schemeClr val="tx1"/>
+                </a:solidFill>
+                <a:latin typeface="+mn-lt"/>
+                <a:ea typeface="+mn-ea"/>
+                <a:cs typeface="+mn-cs"/>
+              </a:defRPr>
+            </a:lvl1pPr>
+            <a:lvl2pPr marL="457200" indent="0" algn="ctr" defTabSz="914400" rtl="0" eaLnBrk="1" latinLnBrk="0" hangingPunct="1">
+              <a:lnSpc>
+                <a:spcPct val="90000"/>
+              </a:lnSpc>
+              <a:spcBef>
+                <a:spcPts val="500"/>
+              </a:spcBef>
+              <a:buFont typeface="Arial" panose="020B0604020202020204" pitchFamily="34" charset="0"/>
+              <a:buNone/>
+              <a:defRPr sz="2000" kern="1200">
+                <a:solidFill>
+                  <a:schemeClr val="tx1"/>
+                </a:solidFill>
+                <a:latin typeface="+mn-lt"/>
+                <a:ea typeface="+mn-ea"/>
+                <a:cs typeface="+mn-cs"/>
+              </a:defRPr>
+            </a:lvl2pPr>
+            <a:lvl3pPr marL="914400" indent="0" algn="ctr" defTabSz="914400" rtl="0" eaLnBrk="1" latinLnBrk="0" hangingPunct="1">
+              <a:lnSpc>
+                <a:spcPct val="90000"/>
+              </a:lnSpc>
+              <a:spcBef>
+                <a:spcPts val="500"/>
+              </a:spcBef>
+              <a:buFont typeface="Arial" panose="020B0604020202020204" pitchFamily="34" charset="0"/>
+              <a:buNone/>
+              <a:defRPr sz="1800" kern="1200">
+                <a:solidFill>
+                  <a:schemeClr val="tx1"/>
+                </a:solidFill>
+                <a:latin typeface="+mn-lt"/>
+                <a:ea typeface="+mn-ea"/>
+                <a:cs typeface="+mn-cs"/>
+              </a:defRPr>
+            </a:lvl3pPr>
+            <a:lvl4pPr marL="1371600" indent="0" algn="ctr" defTabSz="914400" rtl="0" eaLnBrk="1" latinLnBrk="0" hangingPunct="1">
+              <a:lnSpc>
+                <a:spcPct val="90000"/>
+              </a:lnSpc>
+              <a:spcBef>
+                <a:spcPts val="500"/>
+              </a:spcBef>
+              <a:buFont typeface="Arial" panose="020B0604020202020204" pitchFamily="34" charset="0"/>
+              <a:buNone/>
+              <a:defRPr sz="1600" kern="1200">
+                <a:solidFill>
+                  <a:schemeClr val="tx1"/>
+                </a:solidFill>
+                <a:latin typeface="+mn-lt"/>
+                <a:ea typeface="+mn-ea"/>
+                <a:cs typeface="+mn-cs"/>
+              </a:defRPr>
+            </a:lvl4pPr>
+            <a:lvl5pPr marL="1828800" indent="0" algn="ctr" defTabSz="914400" rtl="0" eaLnBrk="1" latinLnBrk="0" hangingPunct="1">
+              <a:lnSpc>
+                <a:spcPct val="90000"/>
+              </a:lnSpc>
+              <a:spcBef>
+                <a:spcPts val="500"/>
+              </a:spcBef>
+              <a:buFont typeface="Arial" panose="020B0604020202020204" pitchFamily="34" charset="0"/>
+              <a:buNone/>
+              <a:defRPr sz="1600" kern="1200">
+                <a:solidFill>
+                  <a:schemeClr val="tx1"/>
+                </a:solidFill>
+                <a:latin typeface="+mn-lt"/>
+                <a:ea typeface="+mn-ea"/>
+                <a:cs typeface="+mn-cs"/>
+              </a:defRPr>
+            </a:lvl5pPr>
+            <a:lvl6pPr marL="2286000" indent="0" algn="ctr" defTabSz="914400" rtl="0" eaLnBrk="1" latinLnBrk="0" hangingPunct="1">
+              <a:lnSpc>
+                <a:spcPct val="90000"/>
+              </a:lnSpc>
+              <a:spcBef>
+                <a:spcPts val="500"/>
+              </a:spcBef>
+              <a:buFont typeface="Arial" panose="020B0604020202020204" pitchFamily="34" charset="0"/>
+              <a:buNone/>
+              <a:defRPr sz="1600" kern="1200">
+                <a:solidFill>
+                  <a:schemeClr val="tx1"/>
+                </a:solidFill>
+                <a:latin typeface="+mn-lt"/>
+                <a:ea typeface="+mn-ea"/>
+                <a:cs typeface="+mn-cs"/>
+              </a:defRPr>
+            </a:lvl6pPr>
+            <a:lvl7pPr marL="2743200" indent="0" algn="ctr" defTabSz="914400" rtl="0" eaLnBrk="1" latinLnBrk="0" hangingPunct="1">
+              <a:lnSpc>
+                <a:spcPct val="90000"/>
+              </a:lnSpc>
+              <a:spcBef>
+                <a:spcPts val="500"/>
+              </a:spcBef>
+              <a:buFont typeface="Arial" panose="020B0604020202020204" pitchFamily="34" charset="0"/>
+              <a:buNone/>
+              <a:defRPr sz="1600" kern="1200">
+                <a:solidFill>
+                  <a:schemeClr val="tx1"/>
+                </a:solidFill>
+                <a:latin typeface="+mn-lt"/>
+                <a:ea typeface="+mn-ea"/>
+                <a:cs typeface="+mn-cs"/>
+              </a:defRPr>
+            </a:lvl7pPr>
+            <a:lvl8pPr marL="3200400" indent="0" algn="ctr" defTabSz="914400" rtl="0" eaLnBrk="1" latinLnBrk="0" hangingPunct="1">
+              <a:lnSpc>
+                <a:spcPct val="90000"/>
+              </a:lnSpc>
+              <a:spcBef>
+                <a:spcPts val="500"/>
+              </a:spcBef>
+              <a:buFont typeface="Arial" panose="020B0604020202020204" pitchFamily="34" charset="0"/>
+              <a:buNone/>
+              <a:defRPr sz="1600" kern="1200">
+                <a:solidFill>
+                  <a:schemeClr val="tx1"/>
+                </a:solidFill>
+                <a:latin typeface="+mn-lt"/>
+                <a:ea typeface="+mn-ea"/>
+                <a:cs typeface="+mn-cs"/>
+              </a:defRPr>
+            </a:lvl8pPr>
+            <a:lvl9pPr marL="3657600" indent="0" algn="ctr" defTabSz="914400" rtl="0" eaLnBrk="1" latinLnBrk="0" hangingPunct="1">
+              <a:lnSpc>
+                <a:spcPct val="90000"/>
+              </a:lnSpc>
+              <a:spcBef>
+                <a:spcPts val="500"/>
+              </a:spcBef>
+              <a:buFont typeface="Arial" panose="020B0604020202020204" pitchFamily="34" charset="0"/>
+              <a:buNone/>
+              <a:defRPr sz="1600" kern="1200">
+                <a:solidFill>
+                  <a:schemeClr val="tx1"/>
+                </a:solidFill>
+                <a:latin typeface="+mn-lt"/>
+                <a:ea typeface="+mn-ea"/>
+                <a:cs typeface="+mn-cs"/>
+              </a:defRPr>
+            </a:lvl9pPr>
+          </a:lstStyle>
+          <a:p>
+            <a:pPr algn="ctr"/>
+            <a:r>
+              <a:rPr lang="en-IN" sz="4800" b="1" dirty="0">
+                <a:solidFill>
+                  <a:schemeClr val="bg1"/>
+                </a:solidFill>
+              </a:rPr>
+              <a:t> </a:t>
+            </a:r>
+            <a:r>
+              <a:rPr lang="en-IN" sz="4800" b="1" dirty="0"/>
+              <a:t>CAPSTONE PROJECT</a:t>
+            </a:r>
           </a:p>
         </p:txBody>
       </p:sp>
@@ -8288,7 +8567,13 @@
       </p:grpSpPr>
       <p:sp>
         <p:nvSpPr>
-          <p:cNvPr id="2" name="Title 1"/>
+          <p:cNvPr id="2" name="Title 1">
+            <a:extLst>
+              <a:ext uri="{FF2B5EF4-FFF2-40B4-BE49-F238E27FC236}">
+                <a16:creationId xmlns:a16="http://schemas.microsoft.com/office/drawing/2014/main" id="{9A9E05E2-3C3D-641B-1B0E-0859D08E1768}"/>
+              </a:ext>
+            </a:extLst>
+          </p:cNvPr>
           <p:cNvSpPr>
             <a:spLocks noGrp="1"/>
           </p:cNvSpPr>
@@ -8302,7 +8587,7 @@
           <a:lstStyle/>
           <a:p>
             <a:r>
-              <a:rPr dirty="0"/>
+              <a:rPr lang="en-IN" dirty="0"/>
               <a:t>Algorithm &amp; Deployment</a:t>
             </a:r>
           </a:p>
@@ -8310,7 +8595,13 @@
       </p:sp>
       <p:sp>
         <p:nvSpPr>
-          <p:cNvPr id="3" name="Content Placeholder 2"/>
+          <p:cNvPr id="3" name="Content Placeholder 2">
+            <a:extLst>
+              <a:ext uri="{FF2B5EF4-FFF2-40B4-BE49-F238E27FC236}">
+                <a16:creationId xmlns:a16="http://schemas.microsoft.com/office/drawing/2014/main" id="{27FBED1A-463F-D307-1164-D10B9B92ADE3}"/>
+              </a:ext>
+            </a:extLst>
+          </p:cNvPr>
           <p:cNvSpPr>
             <a:spLocks noGrp="1"/>
           </p:cNvSpPr>
@@ -8320,51 +8611,101 @@
         </p:nvSpPr>
         <p:spPr>
           <a:xfrm>
-            <a:off x="462116" y="2025445"/>
-            <a:ext cx="8116529" cy="3666536"/>
+            <a:off x="533400" y="2336872"/>
+            <a:ext cx="7332406" cy="4280238"/>
           </a:xfrm>
         </p:spPr>
         <p:txBody>
           <a:bodyPr>
-            <a:normAutofit fontScale="92500" lnSpcReduction="20000"/>
+            <a:normAutofit fontScale="70000" lnSpcReduction="20000"/>
           </a:bodyPr>
           <a:lstStyle/>
           <a:p>
-            <a:endParaRPr dirty="0"/>
-          </a:p>
-          <a:p>
-            <a:r>
-              <a:rPr dirty="0"/>
-              <a:t>Portfolio Content Creation – Collect personal details, skills, projects, and achievements.</a:t>
-            </a:r>
-          </a:p>
-          <a:p>
-            <a:r>
-              <a:rPr dirty="0"/>
-              <a:t>Frontend Design – Layout with HTML and CSS (sections for About, Skills, Projects, Contact).</a:t>
-            </a:r>
-          </a:p>
-          <a:p>
-            <a:r>
-              <a:rPr dirty="0"/>
-              <a:t>Interactive Features – Smooth navigation, project filtering, modal views, contact form integration.</a:t>
-            </a:r>
-          </a:p>
-          <a:p>
-            <a:r>
-              <a:rPr dirty="0"/>
-              <a:t>Testing – Browser compatibility, responsiveness on different devices.</a:t>
-            </a:r>
-          </a:p>
-          <a:p>
-            <a:r>
-              <a:rPr dirty="0"/>
-              <a:t>Deployment – Host using GitHub Pages / Netlify for free and easy access.</a:t>
-            </a:r>
+            <a:pPr>
+              <a:lnSpc>
+                <a:spcPct val="120000"/>
+              </a:lnSpc>
+            </a:pPr>
+            <a:r>
+              <a:rPr lang="en-US" b="1" dirty="0"/>
+              <a:t>Content Strategy:</a:t>
+            </a:r>
+            <a:r>
+              <a:rPr lang="en-US" dirty="0"/>
+              <a:t> Curated and structured all portfolio content, including bio, skill set, project case studies, and contact information.</a:t>
+            </a:r>
+          </a:p>
+          <a:p>
+            <a:pPr>
+              <a:lnSpc>
+                <a:spcPct val="120000"/>
+              </a:lnSpc>
+            </a:pPr>
+            <a:r>
+              <a:rPr lang="en-US" b="1" dirty="0"/>
+              <a:t>UI/UX Design &amp; Development:</a:t>
+            </a:r>
+            <a:r>
+              <a:rPr lang="en-US" dirty="0"/>
+              <a:t> Built a fully responsive and visually appealing frontend with HTML and CSS, featuring a clean, intuitive layout.</a:t>
+            </a:r>
+          </a:p>
+          <a:p>
+            <a:pPr>
+              <a:lnSpc>
+                <a:spcPct val="120000"/>
+              </a:lnSpc>
+            </a:pPr>
+            <a:r>
+              <a:rPr lang="en-US" b="1" dirty="0"/>
+              <a:t>JavaScript Interactivity:</a:t>
+            </a:r>
+            <a:r>
+              <a:rPr lang="en-US" dirty="0"/>
+              <a:t> Developed core interactive features: smooth navigation, dynamic project filtering, modal pop-ups for project details, and a validated contact form.</a:t>
+            </a:r>
+          </a:p>
+          <a:p>
+            <a:pPr>
+              <a:lnSpc>
+                <a:spcPct val="120000"/>
+              </a:lnSpc>
+            </a:pPr>
+            <a:r>
+              <a:rPr lang="en-US" b="1" dirty="0"/>
+              <a:t>Cross-Platform Testing:</a:t>
+            </a:r>
+            <a:r>
+              <a:rPr lang="en-US" dirty="0"/>
+              <a:t> Ensured flawless performance and visual consistency across all major browsers and mobile devices.</a:t>
+            </a:r>
+          </a:p>
+          <a:p>
+            <a:pPr>
+              <a:lnSpc>
+                <a:spcPct val="120000"/>
+              </a:lnSpc>
+            </a:pPr>
+            <a:r>
+              <a:rPr lang="en-US" b="1" dirty="0"/>
+              <a:t>Deployment &amp; Hosting:</a:t>
+            </a:r>
+            <a:r>
+              <a:rPr lang="en-US" dirty="0"/>
+              <a:t> Published the live site using Netlify/GitHub Pages for reliable, free hosting and streamlined update workflows.</a:t>
+            </a:r>
+          </a:p>
+          <a:p>
+            <a:endParaRPr lang="en-IN" dirty="0"/>
           </a:p>
         </p:txBody>
       </p:sp>
     </p:spTree>
+    <p:extLst>
+      <p:ext uri="{BB962C8B-B14F-4D97-AF65-F5344CB8AC3E}">
+        <p14:creationId xmlns:p14="http://schemas.microsoft.com/office/powerpoint/2010/main" val="3501395825"/>
+      </p:ext>
+    </p:extLst>
   </p:cSld>
   <p:clrMapOvr>
     <a:masterClrMapping/>
@@ -8394,7 +8735,7 @@
           <p:cNvPr id="2" name="Title 1">
             <a:extLst>
               <a:ext uri="{FF2B5EF4-FFF2-40B4-BE49-F238E27FC236}">
-                <a16:creationId xmlns:a16="http://schemas.microsoft.com/office/drawing/2014/main" id="{9A9E05E2-3C3D-641B-1B0E-0859D08E1768}"/>
+                <a16:creationId xmlns:a16="http://schemas.microsoft.com/office/drawing/2014/main" id="{997E55FB-644B-5F45-2F7D-C12CD50FD98A}"/>
               </a:ext>
             </a:extLst>
           </p:cNvPr>
@@ -8422,7 +8763,7 @@
           <p:cNvPr id="3" name="Content Placeholder 2">
             <a:extLst>
               <a:ext uri="{FF2B5EF4-FFF2-40B4-BE49-F238E27FC236}">
-                <a16:creationId xmlns:a16="http://schemas.microsoft.com/office/drawing/2014/main" id="{27FBED1A-463F-D307-1164-D10B9B92ADE3}"/>
+                <a16:creationId xmlns:a16="http://schemas.microsoft.com/office/drawing/2014/main" id="{BDFE27DC-1905-E74F-3A89-4BE67470630A}"/>
               </a:ext>
             </a:extLst>
           </p:cNvPr>
@@ -8433,65 +8774,68 @@
             <p:ph idx="1"/>
           </p:nvPr>
         </p:nvSpPr>
-        <p:spPr>
-          <a:xfrm>
-            <a:off x="533400" y="2336872"/>
-            <a:ext cx="7332406" cy="4280238"/>
-          </a:xfrm>
-        </p:spPr>
+        <p:spPr/>
         <p:txBody>
           <a:bodyPr>
-            <a:normAutofit fontScale="85000" lnSpcReduction="20000"/>
+            <a:normAutofit fontScale="92500" lnSpcReduction="10000"/>
           </a:bodyPr>
           <a:lstStyle/>
           <a:p>
             <a:r>
               <a:rPr lang="en-US" b="1" dirty="0"/>
-              <a:t>Content Strategy:</a:t>
+              <a:t>Portfolio Content Creation:</a:t>
+            </a:r>
+            <a:endParaRPr lang="en-US" dirty="0"/>
+          </a:p>
+          <a:p>
+            <a:pPr lvl="1"/>
+            <a:r>
+              <a:rPr lang="en-US" b="1" dirty="0"/>
+              <a:t>Action:</a:t>
             </a:r>
             <a:r>
               <a:rPr lang="en-US" dirty="0"/>
-              <a:t> Curated and structured all portfolio content, including bio, skill set, project case studies, and contact information.</a:t>
-            </a:r>
-          </a:p>
-          <a:p>
+              <a:t> Collected and organized personal details, skills, projects, and achievements.</a:t>
+            </a:r>
+          </a:p>
+          <a:p>
+            <a:pPr lvl="1"/>
             <a:r>
               <a:rPr lang="en-US" b="1" dirty="0"/>
-              <a:t>UI/UX Design &amp; Development:</a:t>
+              <a:t>Goal:</a:t>
             </a:r>
             <a:r>
               <a:rPr lang="en-US" dirty="0"/>
-              <a:t> Built a fully responsive and visually appealing frontend with HTML and CSS, featuring a clean, intuitive layout.</a:t>
+              <a:t> To create a compelling narrative and ensure all information is targeted towards potential employers or clients.</a:t>
             </a:r>
           </a:p>
           <a:p>
             <a:r>
               <a:rPr lang="en-US" b="1" dirty="0"/>
-              <a:t>JavaScript Interactivity:</a:t>
+              <a:t>Frontend Design &amp; Architecture:</a:t>
+            </a:r>
+            <a:endParaRPr lang="en-US" dirty="0"/>
+          </a:p>
+          <a:p>
+            <a:pPr lvl="1"/>
+            <a:r>
+              <a:rPr lang="en-US" b="1" dirty="0"/>
+              <a:t>Action:</a:t>
             </a:r>
             <a:r>
               <a:rPr lang="en-US" dirty="0"/>
-              <a:t> Developed core interactive features: smooth navigation, dynamic project filtering, modal pop-ups for project details, and a validated contact form.</a:t>
-            </a:r>
-          </a:p>
-          <a:p>
+              <a:t> Designed and implemented the layout with HTML and CSS, creating distinct sections (About, Skills, Projects, Contact).</a:t>
+            </a:r>
+          </a:p>
+          <a:p>
+            <a:pPr lvl="1"/>
             <a:r>
               <a:rPr lang="en-US" b="1" dirty="0"/>
-              <a:t>Cross-Platform Testing:</a:t>
+              <a:t>Goal:</a:t>
             </a:r>
             <a:r>
               <a:rPr lang="en-US" dirty="0"/>
-              <a:t> Ensured flawless performance and visual consistency across all major browsers and mobile devices.</a:t>
-            </a:r>
-          </a:p>
-          <a:p>
-            <a:r>
-              <a:rPr lang="en-US" b="1" dirty="0"/>
-              <a:t>Deployment &amp; Hosting:</a:t>
-            </a:r>
-            <a:r>
-              <a:rPr lang="en-US" dirty="0"/>
-              <a:t> Published the live site using Netlify/GitHub Pages for reliable, free hosting and streamlined update workflows.</a:t>
+              <a:t> To ensure a logical user journey, clear information hierarchy, and a professional aesthetic that aligns with modern web standards.</a:t>
             </a:r>
           </a:p>
           <a:p>
@@ -8502,7 +8846,7 @@
     </p:spTree>
     <p:extLst>
       <p:ext uri="{BB962C8B-B14F-4D97-AF65-F5344CB8AC3E}">
-        <p14:creationId xmlns:p14="http://schemas.microsoft.com/office/powerpoint/2010/main" val="3501395825"/>
+        <p14:creationId xmlns:p14="http://schemas.microsoft.com/office/powerpoint/2010/main" val="2237955750"/>
       </p:ext>
     </p:extLst>
   </p:cSld>
@@ -8534,7 +8878,7 @@
           <p:cNvPr id="2" name="Title 1">
             <a:extLst>
               <a:ext uri="{FF2B5EF4-FFF2-40B4-BE49-F238E27FC236}">
-                <a16:creationId xmlns:a16="http://schemas.microsoft.com/office/drawing/2014/main" id="{997E55FB-644B-5F45-2F7D-C12CD50FD98A}"/>
+                <a16:creationId xmlns:a16="http://schemas.microsoft.com/office/drawing/2014/main" id="{899BEC24-EF7C-95D9-EA49-8761A02B4C37}"/>
               </a:ext>
             </a:extLst>
           </p:cNvPr>
@@ -8552,100 +8896,45 @@
           <a:p>
             <a:r>
               <a:rPr lang="en-IN" dirty="0"/>
-              <a:t>Algorithm &amp; Deployment</a:t>
-            </a:r>
-          </a:p>
-        </p:txBody>
-      </p:sp>
-      <p:sp>
-        <p:nvSpPr>
-          <p:cNvPr id="3" name="Content Placeholder 2">
+              <a:t>Result, Code(html)</a:t>
+            </a:r>
+          </a:p>
+        </p:txBody>
+      </p:sp>
+      <p:pic>
+        <p:nvPicPr>
+          <p:cNvPr id="6" name="Picture 5">
             <a:extLst>
               <a:ext uri="{FF2B5EF4-FFF2-40B4-BE49-F238E27FC236}">
-                <a16:creationId xmlns:a16="http://schemas.microsoft.com/office/drawing/2014/main" id="{BDFE27DC-1905-E74F-3A89-4BE67470630A}"/>
+                <a16:creationId xmlns:a16="http://schemas.microsoft.com/office/drawing/2014/main" id="{33B4FD0A-25E6-BEE0-C432-7E580BF7E6C5}"/>
               </a:ext>
             </a:extLst>
           </p:cNvPr>
-          <p:cNvSpPr>
-            <a:spLocks noGrp="1"/>
-          </p:cNvSpPr>
-          <p:nvPr>
-            <p:ph idx="1"/>
-          </p:nvPr>
-        </p:nvSpPr>
-        <p:spPr/>
-        <p:txBody>
-          <a:bodyPr>
-            <a:normAutofit fontScale="92500" lnSpcReduction="10000"/>
-          </a:bodyPr>
-          <a:lstStyle/>
-          <a:p>
-            <a:r>
-              <a:rPr lang="en-US" b="1" dirty="0"/>
-              <a:t>Portfolio Content Creation:</a:t>
-            </a:r>
-            <a:endParaRPr lang="en-US" dirty="0"/>
-          </a:p>
-          <a:p>
-            <a:pPr lvl="1"/>
-            <a:r>
-              <a:rPr lang="en-US" b="1" dirty="0"/>
-              <a:t>Action:</a:t>
-            </a:r>
-            <a:r>
-              <a:rPr lang="en-US" dirty="0"/>
-              <a:t> Collected and organized personal details, skills, projects, and achievements.</a:t>
-            </a:r>
-          </a:p>
-          <a:p>
-            <a:pPr lvl="1"/>
-            <a:r>
-              <a:rPr lang="en-US" b="1" dirty="0"/>
-              <a:t>Goal:</a:t>
-            </a:r>
-            <a:r>
-              <a:rPr lang="en-US" dirty="0"/>
-              <a:t> To create a compelling narrative and ensure all information is targeted towards potential employers or clients.</a:t>
-            </a:r>
-          </a:p>
-          <a:p>
-            <a:r>
-              <a:rPr lang="en-US" b="1" dirty="0"/>
-              <a:t>Frontend Design &amp; Architecture:</a:t>
-            </a:r>
-            <a:endParaRPr lang="en-US" dirty="0"/>
-          </a:p>
-          <a:p>
-            <a:pPr lvl="1"/>
-            <a:r>
-              <a:rPr lang="en-US" b="1" dirty="0"/>
-              <a:t>Action:</a:t>
-            </a:r>
-            <a:r>
-              <a:rPr lang="en-US" dirty="0"/>
-              <a:t> Designed and implemented the layout with HTML and CSS, creating distinct sections (About, Skills, Projects, Contact).</a:t>
-            </a:r>
-          </a:p>
-          <a:p>
-            <a:pPr lvl="1"/>
-            <a:r>
-              <a:rPr lang="en-US" b="1" dirty="0"/>
-              <a:t>Goal:</a:t>
-            </a:r>
-            <a:r>
-              <a:rPr lang="en-US" dirty="0"/>
-              <a:t> To ensure a logical user journey, clear information hierarchy, and a professional aesthetic that aligns with modern web standards.</a:t>
-            </a:r>
-          </a:p>
-          <a:p>
-            <a:endParaRPr lang="en-IN" dirty="0"/>
-          </a:p>
-        </p:txBody>
-      </p:sp>
+          <p:cNvPicPr>
+            <a:picLocks noChangeAspect="1"/>
+          </p:cNvPicPr>
+          <p:nvPr/>
+        </p:nvPicPr>
+        <p:blipFill>
+          <a:blip r:embed="rId2"/>
+          <a:stretch>
+            <a:fillRect/>
+          </a:stretch>
+        </p:blipFill>
+        <p:spPr>
+          <a:xfrm>
+            <a:off x="176981" y="2121447"/>
+            <a:ext cx="8229600" cy="4623309"/>
+          </a:xfrm>
+          <a:prstGeom prst="rect">
+            <a:avLst/>
+          </a:prstGeom>
+        </p:spPr>
+      </p:pic>
     </p:spTree>
     <p:extLst>
       <p:ext uri="{BB962C8B-B14F-4D97-AF65-F5344CB8AC3E}">
-        <p14:creationId xmlns:p14="http://schemas.microsoft.com/office/powerpoint/2010/main" val="2237955750"/>
+        <p14:creationId xmlns:p14="http://schemas.microsoft.com/office/powerpoint/2010/main" val="1819035365"/>
       </p:ext>
     </p:extLst>
   </p:cSld>
@@ -8677,7 +8966,7 @@
           <p:cNvPr id="2" name="Title 1">
             <a:extLst>
               <a:ext uri="{FF2B5EF4-FFF2-40B4-BE49-F238E27FC236}">
-                <a16:creationId xmlns:a16="http://schemas.microsoft.com/office/drawing/2014/main" id="{E44B8260-3AFF-8291-934C-9BE41FDC0370}"/>
+                <a16:creationId xmlns:a16="http://schemas.microsoft.com/office/drawing/2014/main" id="{271370B3-653E-7AE8-7424-C48A7ACC6894}"/>
               </a:ext>
             </a:extLst>
           </p:cNvPr>
@@ -8695,69 +8984,47 @@
           <a:p>
             <a:r>
               <a:rPr lang="en-IN" dirty="0"/>
-              <a:t>Algorithm &amp; Deployment</a:t>
-            </a:r>
-          </a:p>
-        </p:txBody>
-      </p:sp>
-      <p:sp>
-        <p:nvSpPr>
-          <p:cNvPr id="3" name="Content Placeholder 2">
+              <a:t>Code(html)</a:t>
+            </a:r>
+          </a:p>
+        </p:txBody>
+      </p:sp>
+      <p:pic>
+        <p:nvPicPr>
+          <p:cNvPr id="5" name="Content Placeholder 4">
             <a:extLst>
               <a:ext uri="{FF2B5EF4-FFF2-40B4-BE49-F238E27FC236}">
-                <a16:creationId xmlns:a16="http://schemas.microsoft.com/office/drawing/2014/main" id="{9F63A795-2E22-CB8F-28E8-2582A77E60D6}"/>
+                <a16:creationId xmlns:a16="http://schemas.microsoft.com/office/drawing/2014/main" id="{24944EBF-5DA3-28F9-674C-2630818EC4F7}"/>
               </a:ext>
             </a:extLst>
           </p:cNvPr>
-          <p:cNvSpPr>
-            <a:spLocks noGrp="1"/>
-          </p:cNvSpPr>
+          <p:cNvPicPr>
+            <a:picLocks noGrp="1" noChangeAspect="1"/>
+          </p:cNvPicPr>
           <p:nvPr>
             <p:ph idx="1"/>
           </p:nvPr>
-        </p:nvSpPr>
-        <p:spPr/>
-        <p:txBody>
-          <a:bodyPr/>
-          <a:lstStyle/>
-          <a:p>
-            <a:r>
-              <a:rPr lang="en-US" b="1" dirty="0"/>
-              <a:t>Interactive User Experience:</a:t>
-            </a:r>
-            <a:endParaRPr lang="en-US" dirty="0"/>
-          </a:p>
-          <a:p>
-            <a:pPr lvl="1"/>
-            <a:r>
-              <a:rPr lang="en-US" b="1" dirty="0"/>
-              <a:t>Action:</a:t>
-            </a:r>
-            <a:r>
-              <a:rPr lang="en-US" dirty="0"/>
-              <a:t> Added smooth navigation, project filtering, modal views, and form integration using JavaScript.</a:t>
-            </a:r>
-          </a:p>
-          <a:p>
-            <a:pPr lvl="1"/>
-            <a:r>
-              <a:rPr lang="en-US" b="1" dirty="0"/>
-              <a:t>Goal:</a:t>
-            </a:r>
-            <a:r>
-              <a:rPr lang="en-US" dirty="0"/>
-              <a:t> To increase user engagement, allow visitors to easily explore my work, and provide a direct channel for communication.</a:t>
-            </a:r>
-          </a:p>
-          <a:p>
-            <a:endParaRPr lang="en-IN" dirty="0"/>
-          </a:p>
-        </p:txBody>
-      </p:sp>
+        </p:nvPicPr>
+        <p:blipFill>
+          <a:blip r:embed="rId2"/>
+          <a:stretch>
+            <a:fillRect/>
+          </a:stretch>
+        </p:blipFill>
+        <p:spPr>
+          <a:xfrm>
+            <a:off x="117987" y="2393847"/>
+            <a:ext cx="8374621" cy="4236778"/>
+          </a:xfrm>
+          <a:prstGeom prst="rect">
+            <a:avLst/>
+          </a:prstGeom>
+        </p:spPr>
+      </p:pic>
     </p:spTree>
     <p:extLst>
       <p:ext uri="{BB962C8B-B14F-4D97-AF65-F5344CB8AC3E}">
-        <p14:creationId xmlns:p14="http://schemas.microsoft.com/office/powerpoint/2010/main" val="1750565133"/>
+        <p14:creationId xmlns:p14="http://schemas.microsoft.com/office/powerpoint/2010/main" val="1501870601"/>
       </p:ext>
     </p:extLst>
   </p:cSld>
@@ -8789,7 +9056,7 @@
           <p:cNvPr id="2" name="Title 1">
             <a:extLst>
               <a:ext uri="{FF2B5EF4-FFF2-40B4-BE49-F238E27FC236}">
-                <a16:creationId xmlns:a16="http://schemas.microsoft.com/office/drawing/2014/main" id="{9CFCDAD6-EEC9-C737-9D64-A9DF7AE3233C}"/>
+                <a16:creationId xmlns:a16="http://schemas.microsoft.com/office/drawing/2014/main" id="{AAC855E7-350C-DE62-961C-17D4024A4E27}"/>
               </a:ext>
             </a:extLst>
           </p:cNvPr>
@@ -8807,100 +9074,47 @@
           <a:p>
             <a:r>
               <a:rPr lang="en-IN" dirty="0"/>
-              <a:t>Algorithm &amp; Deployment</a:t>
-            </a:r>
-          </a:p>
-        </p:txBody>
-      </p:sp>
-      <p:sp>
-        <p:nvSpPr>
-          <p:cNvPr id="3" name="Content Placeholder 2">
+              <a:t>Code(html)</a:t>
+            </a:r>
+          </a:p>
+        </p:txBody>
+      </p:sp>
+      <p:pic>
+        <p:nvPicPr>
+          <p:cNvPr id="5" name="Content Placeholder 4">
             <a:extLst>
               <a:ext uri="{FF2B5EF4-FFF2-40B4-BE49-F238E27FC236}">
-                <a16:creationId xmlns:a16="http://schemas.microsoft.com/office/drawing/2014/main" id="{7ABFA879-CB86-1D0B-05AE-93910C61D1A8}"/>
+                <a16:creationId xmlns:a16="http://schemas.microsoft.com/office/drawing/2014/main" id="{1AEDC264-D41D-C7F9-220B-F4CA7B3EE070}"/>
               </a:ext>
             </a:extLst>
           </p:cNvPr>
-          <p:cNvSpPr>
-            <a:spLocks noGrp="1"/>
-          </p:cNvSpPr>
+          <p:cNvPicPr>
+            <a:picLocks noGrp="1" noChangeAspect="1"/>
+          </p:cNvPicPr>
           <p:nvPr>
             <p:ph idx="1"/>
           </p:nvPr>
-        </p:nvSpPr>
-        <p:spPr/>
-        <p:txBody>
-          <a:bodyPr>
-            <a:normAutofit lnSpcReduction="10000"/>
-          </a:bodyPr>
-          <a:lstStyle/>
-          <a:p>
-            <a:r>
-              <a:rPr lang="en-US" b="1" dirty="0"/>
-              <a:t>Comprehensive Testing Protocol:</a:t>
-            </a:r>
-            <a:endParaRPr lang="en-US" dirty="0"/>
-          </a:p>
-          <a:p>
-            <a:pPr lvl="1"/>
-            <a:r>
-              <a:rPr lang="en-US" b="1" dirty="0"/>
-              <a:t>Action:</a:t>
-            </a:r>
-            <a:r>
-              <a:rPr lang="en-US" dirty="0"/>
-              <a:t> Performed browser compatibility and responsiveness checks on various devices.</a:t>
-            </a:r>
-          </a:p>
-          <a:p>
-            <a:pPr lvl="1"/>
-            <a:r>
-              <a:rPr lang="en-US" b="1" dirty="0"/>
-              <a:t>Goal:</a:t>
-            </a:r>
-            <a:r>
-              <a:rPr lang="en-US" dirty="0"/>
-              <a:t> To guarantee a consistent and positive experience for every user, regardless of how they access the site.</a:t>
-            </a:r>
-          </a:p>
-          <a:p>
-            <a:r>
-              <a:rPr lang="en-US" b="1" dirty="0"/>
-              <a:t>Deployment &amp; Live Launch:</a:t>
-            </a:r>
-            <a:endParaRPr lang="en-US" dirty="0"/>
-          </a:p>
-          <a:p>
-            <a:pPr lvl="1"/>
-            <a:r>
-              <a:rPr lang="en-US" b="1" dirty="0"/>
-              <a:t>Action:</a:t>
-            </a:r>
-            <a:r>
-              <a:rPr lang="en-US" dirty="0"/>
-              <a:t> Hosted the portfolio on GitHub Pages/Netlify.</a:t>
-            </a:r>
-          </a:p>
-          <a:p>
-            <a:pPr lvl="1"/>
-            <a:r>
-              <a:rPr lang="en-US" b="1" dirty="0"/>
-              <a:t>Goal:</a:t>
-            </a:r>
-            <a:r>
-              <a:rPr lang="en-US" dirty="0"/>
-              <a:t> To make the portfolio easily accessible to anyone with a link, utilizing a robust and free platform for quick deployment and future updates.</a:t>
-            </a:r>
-          </a:p>
-          <a:p>
-            <a:endParaRPr lang="en-IN" dirty="0"/>
-          </a:p>
-        </p:txBody>
-      </p:sp>
+        </p:nvPicPr>
+        <p:blipFill>
+          <a:blip r:embed="rId2"/>
+          <a:stretch>
+            <a:fillRect/>
+          </a:stretch>
+        </p:blipFill>
+        <p:spPr>
+          <a:xfrm>
+            <a:off x="0" y="2025445"/>
+            <a:ext cx="9045677" cy="4739149"/>
+          </a:xfrm>
+          <a:prstGeom prst="rect">
+            <a:avLst/>
+          </a:prstGeom>
+        </p:spPr>
+      </p:pic>
     </p:spTree>
     <p:extLst>
       <p:ext uri="{BB962C8B-B14F-4D97-AF65-F5344CB8AC3E}">
-        <p14:creationId xmlns:p14="http://schemas.microsoft.com/office/powerpoint/2010/main" val="3027345054"/>
+        <p14:creationId xmlns:p14="http://schemas.microsoft.com/office/powerpoint/2010/main" val="603146781"/>
       </p:ext>
     </p:extLst>
   </p:cSld>
@@ -8929,7 +9143,13 @@
       </p:grpSpPr>
       <p:sp>
         <p:nvSpPr>
-          <p:cNvPr id="2" name="Title 1"/>
+          <p:cNvPr id="2" name="Title 1">
+            <a:extLst>
+              <a:ext uri="{FF2B5EF4-FFF2-40B4-BE49-F238E27FC236}">
+                <a16:creationId xmlns:a16="http://schemas.microsoft.com/office/drawing/2014/main" id="{6C510A4F-42EA-A3D5-5874-839AFD20CA7E}"/>
+              </a:ext>
+            </a:extLst>
+          </p:cNvPr>
           <p:cNvSpPr>
             <a:spLocks noGrp="1"/>
           </p:cNvSpPr>
@@ -8943,49 +9163,58 @@
           <a:lstStyle/>
           <a:p>
             <a:r>
-              <a:t>Result</a:t>
-            </a:r>
-          </a:p>
-        </p:txBody>
-      </p:sp>
-      <p:sp>
-        <p:nvSpPr>
-          <p:cNvPr id="3" name="Content Placeholder 2"/>
-          <p:cNvSpPr>
-            <a:spLocks noGrp="1"/>
-          </p:cNvSpPr>
+              <a:rPr lang="en-IN" dirty="0"/>
+              <a:t>Code(</a:t>
+            </a:r>
+            <a:r>
+              <a:rPr lang="en-IN" dirty="0" err="1"/>
+              <a:t>css</a:t>
+            </a:r>
+            <a:r>
+              <a:rPr lang="en-IN" dirty="0"/>
+              <a:t>)</a:t>
+            </a:r>
+          </a:p>
+        </p:txBody>
+      </p:sp>
+      <p:pic>
+        <p:nvPicPr>
+          <p:cNvPr id="5" name="Content Placeholder 4">
+            <a:extLst>
+              <a:ext uri="{FF2B5EF4-FFF2-40B4-BE49-F238E27FC236}">
+                <a16:creationId xmlns:a16="http://schemas.microsoft.com/office/drawing/2014/main" id="{5D3E9E01-0C0B-2453-FF19-2735E58FBE86}"/>
+              </a:ext>
+            </a:extLst>
+          </p:cNvPr>
+          <p:cNvPicPr>
+            <a:picLocks noGrp="1" noChangeAspect="1"/>
+          </p:cNvPicPr>
           <p:nvPr>
             <p:ph idx="1"/>
           </p:nvPr>
-        </p:nvSpPr>
-        <p:spPr/>
-        <p:txBody>
-          <a:bodyPr/>
-          <a:lstStyle/>
-          <a:p>
-            <a:endParaRPr dirty="0"/>
-          </a:p>
-          <a:p>
-            <a:r>
-              <a:rPr dirty="0"/>
-              <a:t>A fully functional Interactive Portfolio Website.</a:t>
-            </a:r>
-          </a:p>
-          <a:p>
-            <a:r>
-              <a:rPr dirty="0"/>
-              <a:t>Screenshots of homepage, skills section, projects, and contact form.</a:t>
-            </a:r>
-          </a:p>
-          <a:p>
-            <a:r>
-              <a:rPr dirty="0"/>
-              <a:t>GitHub Link: https://github.com/kuldeepin3</a:t>
-            </a:r>
-          </a:p>
-        </p:txBody>
-      </p:sp>
+        </p:nvPicPr>
+        <p:blipFill>
+          <a:blip r:embed="rId2"/>
+          <a:stretch>
+            <a:fillRect/>
+          </a:stretch>
+        </p:blipFill>
+        <p:spPr>
+          <a:xfrm>
+            <a:off x="-39772" y="2320413"/>
+            <a:ext cx="9223080" cy="4168877"/>
+          </a:xfrm>
+          <a:prstGeom prst="rect">
+            <a:avLst/>
+          </a:prstGeom>
+        </p:spPr>
+      </p:pic>
     </p:spTree>
+    <p:extLst>
+      <p:ext uri="{BB962C8B-B14F-4D97-AF65-F5344CB8AC3E}">
+        <p14:creationId xmlns:p14="http://schemas.microsoft.com/office/powerpoint/2010/main" val="4001515922"/>
+      </p:ext>
+    </p:extLst>
   </p:cSld>
   <p:clrMapOvr>
     <a:masterClrMapping/>
@@ -9015,6 +9244,104 @@
           <p:cNvPr id="2" name="Title 1">
             <a:extLst>
               <a:ext uri="{FF2B5EF4-FFF2-40B4-BE49-F238E27FC236}">
+                <a16:creationId xmlns:a16="http://schemas.microsoft.com/office/drawing/2014/main" id="{56B79BAE-8F6F-D7B4-56EA-2E217FE9A6AF}"/>
+              </a:ext>
+            </a:extLst>
+          </p:cNvPr>
+          <p:cNvSpPr>
+            <a:spLocks noGrp="1"/>
+          </p:cNvSpPr>
+          <p:nvPr>
+            <p:ph type="title"/>
+          </p:nvPr>
+        </p:nvSpPr>
+        <p:spPr/>
+        <p:txBody>
+          <a:bodyPr/>
+          <a:lstStyle/>
+          <a:p>
+            <a:r>
+              <a:rPr lang="en-IN" dirty="0"/>
+              <a:t>Code(</a:t>
+            </a:r>
+            <a:r>
+              <a:rPr lang="en-IN" dirty="0" err="1"/>
+              <a:t>js</a:t>
+            </a:r>
+            <a:r>
+              <a:rPr lang="en-IN" dirty="0"/>
+              <a:t>)</a:t>
+            </a:r>
+          </a:p>
+        </p:txBody>
+      </p:sp>
+      <p:pic>
+        <p:nvPicPr>
+          <p:cNvPr id="5" name="Content Placeholder 4">
+            <a:extLst>
+              <a:ext uri="{FF2B5EF4-FFF2-40B4-BE49-F238E27FC236}">
+                <a16:creationId xmlns:a16="http://schemas.microsoft.com/office/drawing/2014/main" id="{138457F6-1CEA-AB2E-D072-FB8639ABD9CA}"/>
+              </a:ext>
+            </a:extLst>
+          </p:cNvPr>
+          <p:cNvPicPr>
+            <a:picLocks noGrp="1" noChangeAspect="1"/>
+          </p:cNvPicPr>
+          <p:nvPr>
+            <p:ph idx="1"/>
+          </p:nvPr>
+        </p:nvPicPr>
+        <p:blipFill>
+          <a:blip r:embed="rId2"/>
+          <a:stretch>
+            <a:fillRect/>
+          </a:stretch>
+        </p:blipFill>
+        <p:spPr>
+          <a:xfrm>
+            <a:off x="0" y="2005970"/>
+            <a:ext cx="8903341" cy="4768456"/>
+          </a:xfrm>
+          <a:prstGeom prst="rect">
+            <a:avLst/>
+          </a:prstGeom>
+        </p:spPr>
+      </p:pic>
+    </p:spTree>
+    <p:extLst>
+      <p:ext uri="{BB962C8B-B14F-4D97-AF65-F5344CB8AC3E}">
+        <p14:creationId xmlns:p14="http://schemas.microsoft.com/office/powerpoint/2010/main" val="2201417374"/>
+      </p:ext>
+    </p:extLst>
+  </p:cSld>
+  <p:clrMapOvr>
+    <a:masterClrMapping/>
+  </p:clrMapOvr>
+</p:sld>
+</file>
+
+<file path=ppt/slides/slide17.xml><?xml version="1.0" encoding="utf-8"?>
+<p:sld xmlns:a="http://schemas.openxmlformats.org/drawingml/2006/main" xmlns:r="http://schemas.openxmlformats.org/officeDocument/2006/relationships" xmlns:p="http://schemas.openxmlformats.org/presentationml/2006/main">
+  <p:cSld>
+    <p:spTree>
+      <p:nvGrpSpPr>
+        <p:cNvPr id="1" name=""/>
+        <p:cNvGrpSpPr/>
+        <p:nvPr/>
+      </p:nvGrpSpPr>
+      <p:grpSpPr>
+        <a:xfrm>
+          <a:off x="0" y="0"/>
+          <a:ext cx="0" cy="0"/>
+          <a:chOff x="0" y="0"/>
+          <a:chExt cx="0" cy="0"/>
+        </a:xfrm>
+      </p:grpSpPr>
+      <p:sp>
+        <p:nvSpPr>
+          <p:cNvPr id="2" name="Title 1">
+            <a:extLst>
+              <a:ext uri="{FF2B5EF4-FFF2-40B4-BE49-F238E27FC236}">
                 <a16:creationId xmlns:a16="http://schemas.microsoft.com/office/drawing/2014/main" id="{F3A3C0C8-2DBC-4989-A75D-CD5A46F68A0E}"/>
               </a:ext>
             </a:extLst>
@@ -9033,7 +9360,7 @@
           <a:p>
             <a:r>
               <a:rPr lang="en-IN" dirty="0"/>
-              <a:t>Homepage</a:t>
+              <a:t>Output</a:t>
             </a:r>
           </a:p>
         </p:txBody>
@@ -9080,7 +9407,7 @@
 </p:sld>
 </file>
 
-<file path=ppt/slides/slide17.xml><?xml version="1.0" encoding="utf-8"?>
+<file path=ppt/slides/slide18.xml><?xml version="1.0" encoding="utf-8"?>
 <p:sld xmlns:a="http://schemas.openxmlformats.org/drawingml/2006/main" xmlns:r="http://schemas.openxmlformats.org/officeDocument/2006/relationships" xmlns:p="http://schemas.openxmlformats.org/presentationml/2006/main">
   <p:cSld>
     <p:spTree>
@@ -9167,7 +9494,7 @@
 </p:sld>
 </file>
 
-<file path=ppt/slides/slide18.xml><?xml version="1.0" encoding="utf-8"?>
+<file path=ppt/slides/slide19.xml><?xml version="1.0" encoding="utf-8"?>
 <p:sld xmlns:a="http://schemas.openxmlformats.org/drawingml/2006/main" xmlns:r="http://schemas.openxmlformats.org/officeDocument/2006/relationships" xmlns:p="http://schemas.openxmlformats.org/presentationml/2006/main">
   <p:cSld>
     <p:spTree>
@@ -9254,7 +9581,134 @@
 </p:sld>
 </file>
 
-<file path=ppt/slides/slide19.xml><?xml version="1.0" encoding="utf-8"?>
+<file path=ppt/slides/slide2.xml><?xml version="1.0" encoding="utf-8"?>
+<p:sld xmlns:a="http://schemas.openxmlformats.org/drawingml/2006/main" xmlns:r="http://schemas.openxmlformats.org/officeDocument/2006/relationships" xmlns:p="http://schemas.openxmlformats.org/presentationml/2006/main">
+  <p:cSld>
+    <p:spTree>
+      <p:nvGrpSpPr>
+        <p:cNvPr id="1" name=""/>
+        <p:cNvGrpSpPr/>
+        <p:nvPr/>
+      </p:nvGrpSpPr>
+      <p:grpSpPr>
+        <a:xfrm>
+          <a:off x="0" y="0"/>
+          <a:ext cx="0" cy="0"/>
+          <a:chOff x="0" y="0"/>
+          <a:chExt cx="0" cy="0"/>
+        </a:xfrm>
+      </p:grpSpPr>
+      <p:sp>
+        <p:nvSpPr>
+          <p:cNvPr id="2" name="Title 1"/>
+          <p:cNvSpPr>
+            <a:spLocks noGrp="1"/>
+          </p:cNvSpPr>
+          <p:nvPr>
+            <p:ph type="title"/>
+          </p:nvPr>
+        </p:nvSpPr>
+        <p:spPr/>
+        <p:txBody>
+          <a:bodyPr/>
+          <a:lstStyle/>
+          <a:p>
+            <a:r>
+              <a:t>OUTLINE</a:t>
+            </a:r>
+          </a:p>
+        </p:txBody>
+      </p:sp>
+      <p:sp>
+        <p:nvSpPr>
+          <p:cNvPr id="3" name="Content Placeholder 2"/>
+          <p:cNvSpPr>
+            <a:spLocks noGrp="1"/>
+          </p:cNvSpPr>
+          <p:nvPr>
+            <p:ph idx="1"/>
+          </p:nvPr>
+        </p:nvSpPr>
+        <p:spPr/>
+        <p:txBody>
+          <a:bodyPr>
+            <a:normAutofit lnSpcReduction="10000"/>
+          </a:bodyPr>
+          <a:lstStyle/>
+          <a:p>
+            <a:pPr marL="0" indent="0">
+              <a:buNone/>
+            </a:pPr>
+            <a:endParaRPr dirty="0"/>
+          </a:p>
+          <a:p>
+            <a:r>
+              <a:rPr dirty="0"/>
+              <a:t>Problem Statement</a:t>
+            </a:r>
+          </a:p>
+          <a:p>
+            <a:r>
+              <a:rPr dirty="0"/>
+              <a:t>System Development Approach </a:t>
+            </a:r>
+            <a:r>
+              <a:rPr lang="en-IN" dirty="0"/>
+              <a:t> </a:t>
+            </a:r>
+            <a:endParaRPr dirty="0"/>
+          </a:p>
+          <a:p>
+            <a:r>
+              <a:rPr dirty="0"/>
+              <a:t>Algorithm &amp; Deployment </a:t>
+            </a:r>
+            <a:r>
+              <a:rPr lang="en-IN" dirty="0"/>
+              <a:t> </a:t>
+            </a:r>
+            <a:endParaRPr dirty="0"/>
+          </a:p>
+          <a:p>
+            <a:r>
+              <a:rPr dirty="0"/>
+              <a:t>Result</a:t>
+            </a:r>
+            <a:r>
+              <a:rPr lang="en-IN" dirty="0"/>
+              <a:t> (code &amp; output)</a:t>
+            </a:r>
+          </a:p>
+          <a:p>
+            <a:r>
+              <a:rPr lang="en-IN" dirty="0"/>
+              <a:t>GitHub and Deployment Link</a:t>
+            </a:r>
+            <a:endParaRPr dirty="0"/>
+          </a:p>
+          <a:p>
+            <a:r>
+              <a:rPr dirty="0"/>
+              <a:t>Conclusion</a:t>
+            </a:r>
+          </a:p>
+          <a:p>
+            <a:r>
+              <a:rPr dirty="0"/>
+              <a:t>References</a:t>
+            </a:r>
+          </a:p>
+        </p:txBody>
+      </p:sp>
+    </p:spTree>
+  </p:cSld>
+  <p:clrMapOvr>
+    <a:masterClrMapping/>
+  </p:clrMapOvr>
+</p:sld>
+</file>
+
+<file path=ppt/slides/slide20.xml><?xml version="1.0" encoding="utf-8"?>
 <p:sld xmlns:a="http://schemas.openxmlformats.org/drawingml/2006/main" xmlns:r="http://schemas.openxmlformats.org/officeDocument/2006/relationships" xmlns:p="http://schemas.openxmlformats.org/presentationml/2006/main">
   <p:cSld>
     <p:spTree>
@@ -9341,107 +9795,7 @@
 </p:sld>
 </file>
 
-<file path=ppt/slides/slide2.xml><?xml version="1.0" encoding="utf-8"?>
-<p:sld xmlns:a="http://schemas.openxmlformats.org/drawingml/2006/main" xmlns:r="http://schemas.openxmlformats.org/officeDocument/2006/relationships" xmlns:p="http://schemas.openxmlformats.org/presentationml/2006/main">
-  <p:cSld>
-    <p:spTree>
-      <p:nvGrpSpPr>
-        <p:cNvPr id="1" name=""/>
-        <p:cNvGrpSpPr/>
-        <p:nvPr/>
-      </p:nvGrpSpPr>
-      <p:grpSpPr>
-        <a:xfrm>
-          <a:off x="0" y="0"/>
-          <a:ext cx="0" cy="0"/>
-          <a:chOff x="0" y="0"/>
-          <a:chExt cx="0" cy="0"/>
-        </a:xfrm>
-      </p:grpSpPr>
-      <p:sp>
-        <p:nvSpPr>
-          <p:cNvPr id="2" name="Title 1">
-            <a:extLst>
-              <a:ext uri="{FF2B5EF4-FFF2-40B4-BE49-F238E27FC236}">
-                <a16:creationId xmlns:a16="http://schemas.microsoft.com/office/drawing/2014/main" id="{2C01FEA4-F49F-EA2F-8A1E-7BC665BEE59D}"/>
-              </a:ext>
-            </a:extLst>
-          </p:cNvPr>
-          <p:cNvSpPr>
-            <a:spLocks noGrp="1"/>
-          </p:cNvSpPr>
-          <p:nvPr>
-            <p:ph type="ctrTitle"/>
-          </p:nvPr>
-        </p:nvSpPr>
-        <p:spPr>
-          <a:xfrm>
-            <a:off x="417103" y="2522953"/>
-            <a:ext cx="6294375" cy="2297644"/>
-          </a:xfrm>
-        </p:spPr>
-        <p:txBody>
-          <a:bodyPr/>
-          <a:lstStyle/>
-          <a:p>
-            <a:pPr algn="l"/>
-            <a:r>
-              <a:rPr lang="en-IN" sz="1800" dirty="0"/>
-              <a:t>Name : Kuldeep Kirit Prajapati</a:t>
-            </a:r>
-            <a:br>
-              <a:rPr lang="en-IN" sz="1800" dirty="0"/>
-            </a:br>
-            <a:r>
-              <a:rPr lang="en-IN" sz="1800" dirty="0"/>
-              <a:t>Registered No: STU687e5838d7ca81753110584</a:t>
-            </a:r>
-            <a:br>
-              <a:rPr lang="en-IN" sz="1800" dirty="0"/>
-            </a:br>
-            <a:r>
-              <a:rPr lang="en-IN" sz="1800" dirty="0"/>
-              <a:t>NMID: STU687e5838d7ca81753110584 </a:t>
-            </a:r>
-            <a:br>
-              <a:rPr lang="en-IN" sz="1800" dirty="0"/>
-            </a:br>
-            <a:r>
-              <a:rPr lang="en-IN" sz="1800" dirty="0"/>
-              <a:t>Department : Computer Science and Engineering</a:t>
-            </a:r>
-            <a:br>
-              <a:rPr lang="en-IN" sz="1800" dirty="0"/>
-            </a:br>
-            <a:r>
-              <a:rPr lang="en-IN" sz="1800" b="1" dirty="0"/>
-              <a:t>College </a:t>
-            </a:r>
-            <a:r>
-              <a:rPr lang="en-IN" sz="1800" dirty="0"/>
-              <a:t>: Drs. Kiran and Pallavi Patel Global University Vadodara (KPGU)</a:t>
-            </a:r>
-            <a:br>
-              <a:rPr lang="en-IN" b="1" dirty="0"/>
-            </a:br>
-            <a:endParaRPr lang="en-IN" dirty="0"/>
-          </a:p>
-        </p:txBody>
-      </p:sp>
-    </p:spTree>
-    <p:extLst>
-      <p:ext uri="{BB962C8B-B14F-4D97-AF65-F5344CB8AC3E}">
-        <p14:creationId xmlns:p14="http://schemas.microsoft.com/office/powerpoint/2010/main" val="2074831343"/>
-      </p:ext>
-    </p:extLst>
-  </p:cSld>
-  <p:clrMapOvr>
-    <a:masterClrMapping/>
-  </p:clrMapOvr>
-</p:sld>
-</file>
-
-<file path=ppt/slides/slide20.xml><?xml version="1.0" encoding="utf-8"?>
+<file path=ppt/slides/slide21.xml><?xml version="1.0" encoding="utf-8"?>
 <p:sld xmlns:a="http://schemas.openxmlformats.org/drawingml/2006/main" xmlns:r="http://schemas.openxmlformats.org/officeDocument/2006/relationships" xmlns:p="http://schemas.openxmlformats.org/presentationml/2006/main">
   <p:cSld>
     <p:spTree>
@@ -9528,121 +9882,6 @@
 </p:sld>
 </file>
 
-<file path=ppt/slides/slide21.xml><?xml version="1.0" encoding="utf-8"?>
-<p:sld xmlns:a="http://schemas.openxmlformats.org/drawingml/2006/main" xmlns:r="http://schemas.openxmlformats.org/officeDocument/2006/relationships" xmlns:p="http://schemas.openxmlformats.org/presentationml/2006/main">
-  <p:cSld>
-    <p:spTree>
-      <p:nvGrpSpPr>
-        <p:cNvPr id="1" name=""/>
-        <p:cNvGrpSpPr/>
-        <p:nvPr/>
-      </p:nvGrpSpPr>
-      <p:grpSpPr>
-        <a:xfrm>
-          <a:off x="0" y="0"/>
-          <a:ext cx="0" cy="0"/>
-          <a:chOff x="0" y="0"/>
-          <a:chExt cx="0" cy="0"/>
-        </a:xfrm>
-      </p:grpSpPr>
-      <p:sp>
-        <p:nvSpPr>
-          <p:cNvPr id="2" name="Title 1">
-            <a:extLst>
-              <a:ext uri="{FF2B5EF4-FFF2-40B4-BE49-F238E27FC236}">
-                <a16:creationId xmlns:a16="http://schemas.microsoft.com/office/drawing/2014/main" id="{C76B1E11-1DCD-4D54-BE02-75516820453C}"/>
-              </a:ext>
-            </a:extLst>
-          </p:cNvPr>
-          <p:cNvSpPr>
-            <a:spLocks noGrp="1"/>
-          </p:cNvSpPr>
-          <p:nvPr>
-            <p:ph type="title"/>
-          </p:nvPr>
-        </p:nvSpPr>
-        <p:spPr/>
-        <p:txBody>
-          <a:bodyPr/>
-          <a:lstStyle/>
-          <a:p>
-            <a:r>
-              <a:rPr lang="en-IN" dirty="0"/>
-              <a:t>Conclusion</a:t>
-            </a:r>
-          </a:p>
-        </p:txBody>
-      </p:sp>
-      <p:sp>
-        <p:nvSpPr>
-          <p:cNvPr id="3" name="Content Placeholder 2">
-            <a:extLst>
-              <a:ext uri="{FF2B5EF4-FFF2-40B4-BE49-F238E27FC236}">
-                <a16:creationId xmlns:a16="http://schemas.microsoft.com/office/drawing/2014/main" id="{7A258C01-94D9-3AE3-0A3C-ACF4427AC60A}"/>
-              </a:ext>
-            </a:extLst>
-          </p:cNvPr>
-          <p:cNvSpPr>
-            <a:spLocks noGrp="1"/>
-          </p:cNvSpPr>
-          <p:nvPr>
-            <p:ph idx="1"/>
-          </p:nvPr>
-        </p:nvSpPr>
-        <p:spPr/>
-        <p:txBody>
-          <a:bodyPr>
-            <a:normAutofit fontScale="85000" lnSpcReduction="10000"/>
-          </a:bodyPr>
-          <a:lstStyle/>
-          <a:p>
-            <a:r>
-              <a:rPr lang="en-US" b="1" dirty="0"/>
-              <a:t>Establishes a Dynamic Professional Hub:</a:t>
-            </a:r>
-            <a:r>
-              <a:rPr lang="en-US" dirty="0"/>
-              <a:t> Moves beyond a static resume to create a central, engaging platform that actively represents my personal brand and capabilities to the world.</a:t>
-            </a:r>
-          </a:p>
-          <a:p>
-            <a:r>
-              <a:rPr lang="en-US" b="1" dirty="0"/>
-              <a:t>Demonstrates Technical Proficiency Practically:</a:t>
-            </a:r>
-            <a:r>
-              <a:rPr lang="en-US" dirty="0"/>
-              <a:t> The portfolio itself acts as a live example of my front-end development skills (HTML, CSS, JavaScript), proving my ability to build modern, responsive web applications.</a:t>
-            </a:r>
-          </a:p>
-          <a:p>
-            <a:r>
-              <a:rPr lang="en-US" b="1" dirty="0"/>
-              <a:t>Curates a Compelling Narrative of Work:</a:t>
-            </a:r>
-            <a:r>
-              <a:rPr lang="en-US" dirty="0"/>
-              <a:t> Provides an immersive environment to showcase not just project lists, but detailed case studies with visuals, explanations, and links, effectively telling the story of my skills and achievements.</a:t>
-            </a:r>
-          </a:p>
-          <a:p>
-            <a:endParaRPr lang="en-IN" dirty="0"/>
-          </a:p>
-        </p:txBody>
-      </p:sp>
-    </p:spTree>
-    <p:extLst>
-      <p:ext uri="{BB962C8B-B14F-4D97-AF65-F5344CB8AC3E}">
-        <p14:creationId xmlns:p14="http://schemas.microsoft.com/office/powerpoint/2010/main" val="3562823666"/>
-      </p:ext>
-    </p:extLst>
-  </p:cSld>
-  <p:clrMapOvr>
-    <a:masterClrMapping/>
-  </p:clrMapOvr>
-</p:sld>
-</file>
-
 <file path=ppt/slides/slide22.xml><?xml version="1.0" encoding="utf-8"?>
 <p:sld xmlns:a="http://schemas.openxmlformats.org/drawingml/2006/main" xmlns:r="http://schemas.openxmlformats.org/officeDocument/2006/relationships" xmlns:p="http://schemas.openxmlformats.org/presentationml/2006/main">
   <p:cSld>
@@ -9662,13 +9901,7 @@
       </p:grpSpPr>
       <p:sp>
         <p:nvSpPr>
-          <p:cNvPr id="2" name="Title 1">
-            <a:extLst>
-              <a:ext uri="{FF2B5EF4-FFF2-40B4-BE49-F238E27FC236}">
-                <a16:creationId xmlns:a16="http://schemas.microsoft.com/office/drawing/2014/main" id="{99F41EC1-D343-D736-3E4E-3BC58428C84A}"/>
-              </a:ext>
-            </a:extLst>
-          </p:cNvPr>
+          <p:cNvPr id="2" name="Title 1"/>
           <p:cNvSpPr>
             <a:spLocks noGrp="1"/>
           </p:cNvSpPr>
@@ -9683,20 +9916,15 @@
           <a:p>
             <a:r>
               <a:rPr lang="en-IN" dirty="0"/>
-              <a:t>Conclusion</a:t>
-            </a:r>
-          </a:p>
-        </p:txBody>
-      </p:sp>
-      <p:sp>
-        <p:nvSpPr>
-          <p:cNvPr id="3" name="Content Placeholder 2">
-            <a:extLst>
-              <a:ext uri="{FF2B5EF4-FFF2-40B4-BE49-F238E27FC236}">
-                <a16:creationId xmlns:a16="http://schemas.microsoft.com/office/drawing/2014/main" id="{6D89EB59-7ED6-21FE-F189-BADC79EDB955}"/>
-              </a:ext>
-            </a:extLst>
-          </p:cNvPr>
+              <a:t> GitHub and Deployment Link</a:t>
+            </a:r>
+            <a:endParaRPr dirty="0"/>
+          </a:p>
+        </p:txBody>
+      </p:sp>
+      <p:sp>
+        <p:nvSpPr>
+          <p:cNvPr id="3" name="Content Placeholder 2"/>
           <p:cNvSpPr>
             <a:spLocks noGrp="1"/>
           </p:cNvSpPr>
@@ -9706,41 +9934,52 @@
         </p:nvSpPr>
         <p:spPr/>
         <p:txBody>
-          <a:bodyPr>
-            <a:normAutofit fontScale="92500"/>
-          </a:bodyPr>
+          <a:bodyPr/>
           <a:lstStyle/>
           <a:p>
-            <a:r>
-              <a:rPr lang="en-US" b="1" dirty="0"/>
-              <a:t>Streamlines the Recruitment Process:</a:t>
-            </a:r>
-            <a:r>
-              <a:rPr lang="en-US" dirty="0"/>
-              <a:t> Offers recruiters and hiring managers an easily accessible, comprehensive overview of my qualifications, saving them time and providing a more memorable candidate experience than a traditional paper CV.</a:t>
-            </a:r>
-          </a:p>
-          <a:p>
-            <a:r>
-              <a:rPr lang="en-US" b="1" dirty="0"/>
-              <a:t>Facilitates Global Connectivity and Networking:</a:t>
-            </a:r>
-            <a:r>
-              <a:rPr lang="en-US" dirty="0"/>
-              <a:t> Serves as a always-available, easily shareable link that connects me with opportunities worldwide, allowing peers and potential employers to discover and evaluate my work on demand</a:t>
-            </a:r>
-          </a:p>
-          <a:p>
+            <a:endParaRPr dirty="0"/>
+          </a:p>
+          <a:p>
+            <a:pPr marL="0" indent="0">
+              <a:buNone/>
+            </a:pPr>
+            <a:endParaRPr dirty="0"/>
+          </a:p>
+          <a:p>
+            <a:r>
+              <a:rPr dirty="0"/>
+              <a:t>GitHub Link: </a:t>
+            </a:r>
+            <a:r>
+              <a:rPr lang="en-IN" dirty="0"/>
+              <a:t> </a:t>
+            </a:r>
+            <a:r>
+              <a:rPr lang="en-IN" dirty="0">
+                <a:hlinkClick r:id="rId2"/>
+              </a:rPr>
+              <a:t>https://github.com/kuldeepin3/portfolio-capstone-edunet.git</a:t>
+            </a:r>
             <a:endParaRPr lang="en-IN" dirty="0"/>
           </a:p>
+          <a:p>
+            <a:r>
+              <a:rPr lang="en-IN" dirty="0"/>
+              <a:t>Deployment link:</a:t>
+            </a:r>
+          </a:p>
+          <a:p>
+            <a:r>
+              <a:rPr lang="en-IN" b="1" u="sng" dirty="0">
+                <a:hlinkClick r:id="rId3"/>
+              </a:rPr>
+              <a:t>https://kuldeepin3.github.io/portfolio-capstone-edunet/</a:t>
+            </a:r>
+            <a:endParaRPr dirty="0"/>
+          </a:p>
         </p:txBody>
       </p:sp>
     </p:spTree>
-    <p:extLst>
-      <p:ext uri="{BB962C8B-B14F-4D97-AF65-F5344CB8AC3E}">
-        <p14:creationId xmlns:p14="http://schemas.microsoft.com/office/powerpoint/2010/main" val="300725518"/>
-      </p:ext>
-    </p:extLst>
   </p:cSld>
   <p:clrMapOvr>
     <a:masterClrMapping/>
@@ -9767,13 +10006,7 @@
       </p:grpSpPr>
       <p:sp>
         <p:nvSpPr>
-          <p:cNvPr id="2" name="Title 1">
-            <a:extLst>
-              <a:ext uri="{FF2B5EF4-FFF2-40B4-BE49-F238E27FC236}">
-                <a16:creationId xmlns:a16="http://schemas.microsoft.com/office/drawing/2014/main" id="{213EDCFD-79F7-0431-3A9A-D7347241B70C}"/>
-              </a:ext>
-            </a:extLst>
-          </p:cNvPr>
+          <p:cNvPr id="2" name="Title 1"/>
           <p:cNvSpPr>
             <a:spLocks noGrp="1"/>
           </p:cNvSpPr>
@@ -9787,7 +10020,7 @@
           <a:lstStyle/>
           <a:p>
             <a:r>
-              <a:rPr lang="en-IN" dirty="0"/>
+              <a:rPr dirty="0"/>
               <a:t>Conclusion</a:t>
             </a:r>
           </a:p>
@@ -9795,13 +10028,7 @@
       </p:sp>
       <p:sp>
         <p:nvSpPr>
-          <p:cNvPr id="3" name="Content Placeholder 2">
-            <a:extLst>
-              <a:ext uri="{FF2B5EF4-FFF2-40B4-BE49-F238E27FC236}">
-                <a16:creationId xmlns:a16="http://schemas.microsoft.com/office/drawing/2014/main" id="{6D358B31-743C-4B14-AD98-5C03C0552C60}"/>
-              </a:ext>
-            </a:extLst>
-          </p:cNvPr>
+          <p:cNvPr id="3" name="Content Placeholder 2"/>
           <p:cNvSpPr>
             <a:spLocks noGrp="1"/>
           </p:cNvSpPr>
@@ -9811,25 +10038,38 @@
         </p:nvSpPr>
         <p:spPr/>
         <p:txBody>
-          <a:bodyPr>
-            <a:normAutofit fontScale="92500" lnSpcReduction="10000"/>
-          </a:bodyPr>
+          <a:bodyPr/>
           <a:lstStyle/>
           <a:p>
-            <a:r>
-              <a:rPr lang="en-US" dirty="0"/>
-              <a:t>"The development of this interactive portfolio successfully establishes a powerful professional online presence. It transcends the limitations of a traditional resume by providing an engaging, hands-on demonstration of my technical skills and design aesthetic. The portfolio effectively showcases my projects and achievements in a dynamic format, creating a memorable experience for recruiters. Furthermore, its ease of sharing as a single link facilitates seamless connection with opportunities across the globe, making it an indispensable tool for my career growth."</a:t>
-            </a:r>
-            <a:endParaRPr lang="en-IN" dirty="0"/>
+            <a:endParaRPr dirty="0"/>
+          </a:p>
+          <a:p>
+            <a:r>
+              <a:rPr dirty="0"/>
+              <a:t>Provides a professional online presence.</a:t>
+            </a:r>
+          </a:p>
+          <a:p>
+            <a:r>
+              <a:rPr dirty="0"/>
+              <a:t>Makes resumes more interactive and engaging.</a:t>
+            </a:r>
+          </a:p>
+          <a:p>
+            <a:r>
+              <a:rPr dirty="0"/>
+              <a:t>Showcases projects, skills, and achievements effectively.</a:t>
+            </a:r>
+          </a:p>
+          <a:p>
+            <a:r>
+              <a:rPr dirty="0"/>
+              <a:t>Easily shareable with recruiters and peers.</a:t>
+            </a:r>
           </a:p>
         </p:txBody>
       </p:sp>
     </p:spTree>
-    <p:extLst>
-      <p:ext uri="{BB962C8B-B14F-4D97-AF65-F5344CB8AC3E}">
-        <p14:creationId xmlns:p14="http://schemas.microsoft.com/office/powerpoint/2010/main" val="565875163"/>
-      </p:ext>
-    </p:extLst>
   </p:cSld>
   <p:clrMapOvr>
     <a:masterClrMapping/>
@@ -9870,8 +10110,7 @@
           <a:lstStyle/>
           <a:p>
             <a:r>
-              <a:rPr dirty="0"/>
-              <a:t>Conclusion</a:t>
+              <a:t>References</a:t>
             </a:r>
           </a:p>
         </p:txBody>
@@ -9891,30 +10130,26 @@
           <a:bodyPr/>
           <a:lstStyle/>
           <a:p>
-            <a:endParaRPr dirty="0"/>
-          </a:p>
-          <a:p>
-            <a:r>
-              <a:rPr dirty="0"/>
-              <a:t>Provides a professional online presence.</a:t>
-            </a:r>
-          </a:p>
-          <a:p>
-            <a:r>
-              <a:rPr dirty="0"/>
-              <a:t>Makes resumes more interactive and engaging.</a:t>
-            </a:r>
-          </a:p>
-          <a:p>
-            <a:r>
-              <a:rPr dirty="0"/>
-              <a:t>Showcases projects, skills, and achievements effectively.</a:t>
-            </a:r>
-          </a:p>
-          <a:p>
-            <a:r>
-              <a:rPr dirty="0"/>
-              <a:t>Easily shareable with recruiters and peers.</a:t>
+            <a:endParaRPr/>
+          </a:p>
+          <a:p>
+            <a:r>
+              <a:t>Bootstrap v5.3 Documentation</a:t>
+            </a:r>
+          </a:p>
+          <a:p>
+            <a:r>
+              <a:t>W3Schools HTML/CSS/JavaScript Resources</a:t>
+            </a:r>
+          </a:p>
+          <a:p>
+            <a:r>
+              <a:t>GitHub – Hosting Guides</a:t>
+            </a:r>
+          </a:p>
+          <a:p>
+            <a:r>
+              <a:t>FreeCodeCamp – Responsive Web Design Curriculum</a:t>
             </a:r>
           </a:p>
         </p:txBody>
@@ -9960,91 +10195,6 @@
           <a:lstStyle/>
           <a:p>
             <a:r>
-              <a:t>References</a:t>
-            </a:r>
-          </a:p>
-        </p:txBody>
-      </p:sp>
-      <p:sp>
-        <p:nvSpPr>
-          <p:cNvPr id="3" name="Content Placeholder 2"/>
-          <p:cNvSpPr>
-            <a:spLocks noGrp="1"/>
-          </p:cNvSpPr>
-          <p:nvPr>
-            <p:ph idx="1"/>
-          </p:nvPr>
-        </p:nvSpPr>
-        <p:spPr/>
-        <p:txBody>
-          <a:bodyPr/>
-          <a:lstStyle/>
-          <a:p>
-            <a:endParaRPr/>
-          </a:p>
-          <a:p>
-            <a:r>
-              <a:t>Bootstrap v5.3 Documentation</a:t>
-            </a:r>
-          </a:p>
-          <a:p>
-            <a:r>
-              <a:t>W3Schools HTML/CSS/JavaScript Resources</a:t>
-            </a:r>
-          </a:p>
-          <a:p>
-            <a:r>
-              <a:t>GitHub – Hosting Guides</a:t>
-            </a:r>
-          </a:p>
-          <a:p>
-            <a:r>
-              <a:t>FreeCodeCamp – Responsive Web Design Curriculum</a:t>
-            </a:r>
-          </a:p>
-        </p:txBody>
-      </p:sp>
-    </p:spTree>
-  </p:cSld>
-  <p:clrMapOvr>
-    <a:masterClrMapping/>
-  </p:clrMapOvr>
-</p:sld>
-</file>
-
-<file path=ppt/slides/slide26.xml><?xml version="1.0" encoding="utf-8"?>
-<p:sld xmlns:a="http://schemas.openxmlformats.org/drawingml/2006/main" xmlns:r="http://schemas.openxmlformats.org/officeDocument/2006/relationships" xmlns:p="http://schemas.openxmlformats.org/presentationml/2006/main">
-  <p:cSld>
-    <p:spTree>
-      <p:nvGrpSpPr>
-        <p:cNvPr id="1" name=""/>
-        <p:cNvGrpSpPr/>
-        <p:nvPr/>
-      </p:nvGrpSpPr>
-      <p:grpSpPr>
-        <a:xfrm>
-          <a:off x="0" y="0"/>
-          <a:ext cx="0" cy="0"/>
-          <a:chOff x="0" y="0"/>
-          <a:chExt cx="0" cy="0"/>
-        </a:xfrm>
-      </p:grpSpPr>
-      <p:sp>
-        <p:nvSpPr>
-          <p:cNvPr id="2" name="Title 1"/>
-          <p:cNvSpPr>
-            <a:spLocks noGrp="1"/>
-          </p:cNvSpPr>
-          <p:nvPr>
-            <p:ph type="title"/>
-          </p:nvPr>
-        </p:nvSpPr>
-        <p:spPr/>
-        <p:txBody>
-          <a:bodyPr/>
-          <a:lstStyle/>
-          <a:p>
-            <a:r>
               <a:t>THANK YOU</a:t>
             </a:r>
           </a:p>
@@ -10091,7 +10241,8 @@
           <a:lstStyle/>
           <a:p>
             <a:r>
-              <a:t>OUTLINE</a:t>
+              <a:rPr dirty="0"/>
+              <a:t>Problem Statement</a:t>
             </a:r>
           </a:p>
         </p:txBody>
@@ -10109,55 +10260,25 @@
         <p:spPr/>
         <p:txBody>
           <a:bodyPr>
-            <a:normAutofit fontScale="92500"/>
+            <a:normAutofit lnSpcReduction="10000"/>
           </a:bodyPr>
           <a:lstStyle/>
           <a:p>
-            <a:pPr marL="0" indent="0">
-              <a:buNone/>
-            </a:pPr>
-            <a:endParaRPr dirty="0"/>
-          </a:p>
-          <a:p>
             <a:r>
               <a:rPr dirty="0"/>
-              <a:t>Problem Statement</a:t>
+              <a:t>Students and professionals often struggle to showcase their skills, projects, and achievements in an engaging way.</a:t>
             </a:r>
           </a:p>
           <a:p>
             <a:r>
               <a:rPr dirty="0"/>
-              <a:t>System Development Approach (Technology Used)</a:t>
+              <a:t>Traditional resumes and static portfolios are not interactive, visually appealing, or easily accessible.</a:t>
             </a:r>
           </a:p>
           <a:p>
             <a:r>
               <a:rPr dirty="0"/>
-              <a:t>Algorithm &amp; Deployment (Step by Step Procedure)</a:t>
-            </a:r>
-          </a:p>
-          <a:p>
-            <a:r>
-              <a:rPr dirty="0"/>
-              <a:t>Result</a:t>
-            </a:r>
-          </a:p>
-          <a:p>
-            <a:r>
-              <a:rPr dirty="0"/>
-              <a:t>Conclusion</a:t>
-            </a:r>
-          </a:p>
-          <a:p>
-            <a:r>
-              <a:rPr dirty="0"/>
-              <a:t>Future Scope (Optional)</a:t>
-            </a:r>
-          </a:p>
-          <a:p>
-            <a:r>
-              <a:rPr dirty="0"/>
-              <a:t>References</a:t>
+              <a:t>There is a need for a dynamic and user-friendly online portfolio that effectively highlights individual skills and projects, while being easy to update and share.</a:t>
             </a:r>
           </a:p>
         </p:txBody>
@@ -10189,7 +10310,13 @@
       </p:grpSpPr>
       <p:sp>
         <p:nvSpPr>
-          <p:cNvPr id="2" name="Title 1"/>
+          <p:cNvPr id="2" name="Title 1">
+            <a:extLst>
+              <a:ext uri="{FF2B5EF4-FFF2-40B4-BE49-F238E27FC236}">
+                <a16:creationId xmlns:a16="http://schemas.microsoft.com/office/drawing/2014/main" id="{2BC6486B-3E29-5971-EAF8-1FA03AD419BF}"/>
+              </a:ext>
+            </a:extLst>
+          </p:cNvPr>
           <p:cNvSpPr>
             <a:spLocks noGrp="1"/>
           </p:cNvSpPr>
@@ -10203,7 +10330,7 @@
           <a:lstStyle/>
           <a:p>
             <a:r>
-              <a:rPr dirty="0"/>
+              <a:rPr lang="en-IN" dirty="0"/>
               <a:t>Problem Statement</a:t>
             </a:r>
           </a:p>
@@ -10211,7 +10338,13 @@
       </p:sp>
       <p:sp>
         <p:nvSpPr>
-          <p:cNvPr id="3" name="Content Placeholder 2"/>
+          <p:cNvPr id="3" name="Content Placeholder 2">
+            <a:extLst>
+              <a:ext uri="{FF2B5EF4-FFF2-40B4-BE49-F238E27FC236}">
+                <a16:creationId xmlns:a16="http://schemas.microsoft.com/office/drawing/2014/main" id="{A1970CE5-18E1-EEF4-DFAF-9080EFE70505}"/>
+              </a:ext>
+            </a:extLst>
+          </p:cNvPr>
           <p:cNvSpPr>
             <a:spLocks noGrp="1"/>
           </p:cNvSpPr>
@@ -10219,33 +10352,68 @@
             <p:ph idx="1"/>
           </p:nvPr>
         </p:nvSpPr>
-        <p:spPr/>
+        <p:spPr>
+          <a:xfrm>
+            <a:off x="533400" y="2336873"/>
+            <a:ext cx="7352071" cy="4250740"/>
+          </a:xfrm>
+        </p:spPr>
         <p:txBody>
           <a:bodyPr>
-            <a:normAutofit lnSpcReduction="10000"/>
+            <a:normAutofit fontScale="92500" lnSpcReduction="10000"/>
           </a:bodyPr>
           <a:lstStyle/>
           <a:p>
             <a:r>
-              <a:rPr dirty="0"/>
-              <a:t>Students and professionals often struggle to showcase their skills, projects, and achievements in an engaging way.</a:t>
-            </a:r>
-          </a:p>
-          <a:p>
-            <a:r>
-              <a:rPr dirty="0"/>
-              <a:t>Traditional resumes and static portfolios are not interactive, visually appealing, or easily accessible.</a:t>
-            </a:r>
-          </a:p>
-          <a:p>
-            <a:r>
-              <a:rPr dirty="0"/>
-              <a:t>There is a need for a dynamic and user-friendly online portfolio that effectively highlights individual skills and projects, while being easy to update and share.</a:t>
-            </a:r>
+              <a:rPr lang="en-US" sz="2200" b="1" dirty="0"/>
+              <a:t>Lack of Engaging Presentation:</a:t>
+            </a:r>
+            <a:r>
+              <a:rPr lang="en-US" sz="2200" dirty="0"/>
+              <a:t> Traditional resumes and static PDF portfolios are passive documents that fail to dynamically demonstrate technical skills or create a memorable impression on recruiters.</a:t>
+            </a:r>
+          </a:p>
+          <a:p>
+            <a:r>
+              <a:rPr lang="en-US" sz="2200" b="1" dirty="0"/>
+              <a:t>Ineffective Project Showcasing:</a:t>
+            </a:r>
+            <a:r>
+              <a:rPr lang="en-US" sz="2200" dirty="0"/>
+              <a:t> It's challenging to present coding projects, designs, and achievements with the necessary context, visuals, and interactivity on a standard CV.</a:t>
+            </a:r>
+          </a:p>
+          <a:p>
+            <a:r>
+              <a:rPr lang="en-US" sz="2200" b="1" dirty="0"/>
+              <a:t>Accessibility &amp; Shareability Issues:</a:t>
+            </a:r>
+            <a:r>
+              <a:rPr lang="en-US" sz="2200" dirty="0"/>
+              <a:t> Physical resumes are limiting, and many portfolio solutions are not easily shareable with a single link or quickly accessible to global recruiters.</a:t>
+            </a:r>
+          </a:p>
+          <a:p>
+            <a:r>
+              <a:rPr lang="en-US" sz="2200" b="1" dirty="0"/>
+              <a:t>Static Nature:</a:t>
+            </a:r>
+            <a:r>
+              <a:rPr lang="en-US" sz="2200" dirty="0"/>
+              <a:t> Updating a traditional portfolio with new skills or projects often requires cumbersome software or re-printing, making it inefficient to maintain.</a:t>
+            </a:r>
+          </a:p>
+          <a:p>
+            <a:endParaRPr lang="en-IN" dirty="0"/>
           </a:p>
         </p:txBody>
       </p:sp>
     </p:spTree>
+    <p:extLst>
+      <p:ext uri="{BB962C8B-B14F-4D97-AF65-F5344CB8AC3E}">
+        <p14:creationId xmlns:p14="http://schemas.microsoft.com/office/powerpoint/2010/main" val="608769784"/>
+      </p:ext>
+    </p:extLst>
   </p:cSld>
   <p:clrMapOvr>
     <a:masterClrMapping/>
@@ -10275,7 +10443,7 @@
           <p:cNvPr id="2" name="Title 1">
             <a:extLst>
               <a:ext uri="{FF2B5EF4-FFF2-40B4-BE49-F238E27FC236}">
-                <a16:creationId xmlns:a16="http://schemas.microsoft.com/office/drawing/2014/main" id="{2BC6486B-3E29-5971-EAF8-1FA03AD419BF}"/>
+                <a16:creationId xmlns:a16="http://schemas.microsoft.com/office/drawing/2014/main" id="{E255B14B-1966-5304-571C-D29A8561EB0B}"/>
               </a:ext>
             </a:extLst>
           </p:cNvPr>
@@ -10303,7 +10471,7 @@
           <p:cNvPr id="3" name="Content Placeholder 2">
             <a:extLst>
               <a:ext uri="{FF2B5EF4-FFF2-40B4-BE49-F238E27FC236}">
-                <a16:creationId xmlns:a16="http://schemas.microsoft.com/office/drawing/2014/main" id="{A1970CE5-18E1-EEF4-DFAF-9080EFE70505}"/>
+                <a16:creationId xmlns:a16="http://schemas.microsoft.com/office/drawing/2014/main" id="{8C936DFC-9BA0-4EE3-F5C2-0E978E4B1A8A}"/>
               </a:ext>
             </a:extLst>
           </p:cNvPr>
@@ -10314,55 +10482,30 @@
             <p:ph idx="1"/>
           </p:nvPr>
         </p:nvSpPr>
-        <p:spPr>
-          <a:xfrm>
-            <a:off x="533400" y="2336873"/>
-            <a:ext cx="7352071" cy="4250740"/>
-          </a:xfrm>
-        </p:spPr>
+        <p:spPr/>
         <p:txBody>
           <a:bodyPr>
-            <a:normAutofit fontScale="92500" lnSpcReduction="10000"/>
+            <a:normAutofit lnSpcReduction="10000"/>
           </a:bodyPr>
           <a:lstStyle/>
           <a:p>
             <a:r>
-              <a:rPr lang="en-US" sz="2200" b="1" dirty="0"/>
-              <a:t>Lack of Engaging Presentation:</a:t>
-            </a:r>
-            <a:r>
-              <a:rPr lang="en-US" sz="2200" dirty="0"/>
-              <a:t> Traditional resumes and static PDF portfolios are passive documents that fail to dynamically demonstrate technical skills or create a memorable impression on recruiters.</a:t>
-            </a:r>
-          </a:p>
-          <a:p>
-            <a:r>
-              <a:rPr lang="en-US" sz="2200" b="1" dirty="0"/>
-              <a:t>Ineffective Project Showcasing:</a:t>
-            </a:r>
-            <a:r>
-              <a:rPr lang="en-US" sz="2200" dirty="0"/>
-              <a:t> It's challenging to present coding projects, designs, and achievements with the necessary context, visuals, and interactivity on a standard CV.</a:t>
-            </a:r>
-          </a:p>
-          <a:p>
-            <a:r>
-              <a:rPr lang="en-US" sz="2200" b="1" dirty="0"/>
-              <a:t>Accessibility &amp; Shareability Issues:</a:t>
-            </a:r>
-            <a:r>
-              <a:rPr lang="en-US" sz="2200" dirty="0"/>
-              <a:t> Physical resumes are limiting, and many portfolio solutions are not easily shareable with a single link or quickly accessible to global recruiters.</a:t>
-            </a:r>
-          </a:p>
-          <a:p>
-            <a:r>
-              <a:rPr lang="en-US" sz="2200" b="1" dirty="0"/>
-              <a:t>Static Nature:</a:t>
-            </a:r>
-            <a:r>
-              <a:rPr lang="en-US" sz="2200" dirty="0"/>
-              <a:t> Updating a traditional portfolio with new skills or projects often requires cumbersome software or re-printing, making it inefficient to maintain.</a:t>
+              <a:rPr lang="en-US" b="1" dirty="0"/>
+              <a:t>Inefficient Discovery for Recruiters:</a:t>
+            </a:r>
+            <a:r>
+              <a:rPr lang="en-US" dirty="0"/>
+              <a:t> Recruiters lack a central, engaging hub to quickly evaluate a candidate's full range of work—including live project links, GitHub repositories, and case studies—without navigating multiple disjointed sources.</a:t>
+            </a:r>
+          </a:p>
+          <a:p>
+            <a:r>
+              <a:rPr lang="en-US" b="1" dirty="0"/>
+              <a:t>High Barrier to Maintenance:</a:t>
+            </a:r>
+            <a:r>
+              <a:rPr lang="en-US" dirty="0"/>
+              <a:t> Many professionals avoid portfolio maintenance due to the perceived complexity of web development or the cost of platforms, causing their online presence to become outdated.</a:t>
             </a:r>
           </a:p>
           <a:p>
@@ -10373,7 +10516,7 @@
     </p:spTree>
     <p:extLst>
       <p:ext uri="{BB962C8B-B14F-4D97-AF65-F5344CB8AC3E}">
-        <p14:creationId xmlns:p14="http://schemas.microsoft.com/office/powerpoint/2010/main" val="608769784"/>
+        <p14:creationId xmlns:p14="http://schemas.microsoft.com/office/powerpoint/2010/main" val="2840204596"/>
       </p:ext>
     </p:extLst>
   </p:cSld>
@@ -10402,13 +10545,7 @@
       </p:grpSpPr>
       <p:sp>
         <p:nvSpPr>
-          <p:cNvPr id="2" name="Title 1">
-            <a:extLst>
-              <a:ext uri="{FF2B5EF4-FFF2-40B4-BE49-F238E27FC236}">
-                <a16:creationId xmlns:a16="http://schemas.microsoft.com/office/drawing/2014/main" id="{E255B14B-1966-5304-571C-D29A8561EB0B}"/>
-              </a:ext>
-            </a:extLst>
-          </p:cNvPr>
+          <p:cNvPr id="2" name="Title 1"/>
           <p:cNvSpPr>
             <a:spLocks noGrp="1"/>
           </p:cNvSpPr>
@@ -10422,21 +10559,15 @@
           <a:lstStyle/>
           <a:p>
             <a:r>
-              <a:rPr lang="en-IN" dirty="0"/>
-              <a:t>Problem Statement</a:t>
-            </a:r>
-          </a:p>
-        </p:txBody>
-      </p:sp>
-      <p:sp>
-        <p:nvSpPr>
-          <p:cNvPr id="3" name="Content Placeholder 2">
-            <a:extLst>
-              <a:ext uri="{FF2B5EF4-FFF2-40B4-BE49-F238E27FC236}">
-                <a16:creationId xmlns:a16="http://schemas.microsoft.com/office/drawing/2014/main" id="{8C936DFC-9BA0-4EE3-F5C2-0E978E4B1A8A}"/>
-              </a:ext>
-            </a:extLst>
-          </p:cNvPr>
+              <a:rPr dirty="0"/>
+              <a:t>System Approach</a:t>
+            </a:r>
+          </a:p>
+        </p:txBody>
+      </p:sp>
+      <p:sp>
+        <p:nvSpPr>
+          <p:cNvPr id="3" name="Content Placeholder 2"/>
           <p:cNvSpPr>
             <a:spLocks noGrp="1"/>
           </p:cNvSpPr>
@@ -10444,43 +10575,68 @@
             <p:ph idx="1"/>
           </p:nvPr>
         </p:nvSpPr>
-        <p:spPr/>
+        <p:spPr>
+          <a:xfrm>
+            <a:off x="457200" y="2182761"/>
+            <a:ext cx="8229600" cy="3509220"/>
+          </a:xfrm>
+        </p:spPr>
         <p:txBody>
           <a:bodyPr>
-            <a:normAutofit lnSpcReduction="10000"/>
+            <a:normAutofit fontScale="92500" lnSpcReduction="10000"/>
           </a:bodyPr>
           <a:lstStyle/>
           <a:p>
             <a:r>
-              <a:rPr lang="en-US" b="1" dirty="0"/>
-              <a:t>Inefficient Discovery for Recruiters:</a:t>
-            </a:r>
-            <a:r>
-              <a:rPr lang="en-US" dirty="0"/>
-              <a:t> Recruiters lack a central, engaging hub to quickly evaluate a candidate's full range of work—including live project links, GitHub repositories, and case studies—without navigating multiple disjointed sources.</a:t>
-            </a:r>
-          </a:p>
-          <a:p>
-            <a:r>
-              <a:rPr lang="en-US" b="1" dirty="0"/>
-              <a:t>High Barrier to Maintenance:</a:t>
-            </a:r>
-            <a:r>
-              <a:rPr lang="en-US" dirty="0"/>
-              <a:t> Many professionals avoid portfolio maintenance due to the perceived complexity of web development or the cost of platforms, causing their online presence to become outdated.</a:t>
-            </a:r>
-          </a:p>
-          <a:p>
-            <a:endParaRPr lang="en-IN" dirty="0"/>
+              <a:rPr dirty="0"/>
+              <a:t>Frontend Technologies:</a:t>
+            </a:r>
+          </a:p>
+          <a:p>
+            <a:r>
+              <a:rPr dirty="0"/>
+              <a:t>HTML5 – Structure of the portfolio website</a:t>
+            </a:r>
+          </a:p>
+          <a:p>
+            <a:r>
+              <a:rPr dirty="0"/>
+              <a:t>CSS3 – Styling and responsive layouts</a:t>
+            </a:r>
+          </a:p>
+          <a:p>
+            <a:r>
+              <a:rPr dirty="0"/>
+              <a:t>JavaScript – Interactive elements (navigation, filtering, animations)</a:t>
+            </a:r>
+          </a:p>
+          <a:p>
+            <a:r>
+              <a:rPr dirty="0"/>
+              <a:t>Design Approach:</a:t>
+            </a:r>
+          </a:p>
+          <a:p>
+            <a:r>
+              <a:rPr dirty="0"/>
+              <a:t>Modern and minimal UI/UX design</a:t>
+            </a:r>
+          </a:p>
+          <a:p>
+            <a:r>
+              <a:rPr dirty="0"/>
+              <a:t>Mobile-first responsive design</a:t>
+            </a:r>
+          </a:p>
+          <a:p>
+            <a:r>
+              <a:rPr dirty="0"/>
+              <a:t>Clear separation of HTML, CSS, and JS files for modularity</a:t>
+            </a:r>
           </a:p>
         </p:txBody>
       </p:sp>
     </p:spTree>
-    <p:extLst>
-      <p:ext uri="{BB962C8B-B14F-4D97-AF65-F5344CB8AC3E}">
-        <p14:creationId xmlns:p14="http://schemas.microsoft.com/office/powerpoint/2010/main" val="2840204596"/>
-      </p:ext>
-    </p:extLst>
   </p:cSld>
   <p:clrMapOvr>
     <a:masterClrMapping/>
@@ -10507,7 +10663,13 @@
       </p:grpSpPr>
       <p:sp>
         <p:nvSpPr>
-          <p:cNvPr id="2" name="Title 1"/>
+          <p:cNvPr id="2" name="Title 1">
+            <a:extLst>
+              <a:ext uri="{FF2B5EF4-FFF2-40B4-BE49-F238E27FC236}">
+                <a16:creationId xmlns:a16="http://schemas.microsoft.com/office/drawing/2014/main" id="{C6EDB2B8-43AB-2387-190D-3C33E23C43A2}"/>
+              </a:ext>
+            </a:extLst>
+          </p:cNvPr>
           <p:cNvSpPr>
             <a:spLocks noGrp="1"/>
           </p:cNvSpPr>
@@ -10521,7 +10683,7 @@
           <a:lstStyle/>
           <a:p>
             <a:r>
-              <a:rPr dirty="0"/>
+              <a:rPr lang="en-IN" dirty="0"/>
               <a:t>System Approach</a:t>
             </a:r>
           </a:p>
@@ -10529,7 +10691,13 @@
       </p:sp>
       <p:sp>
         <p:nvSpPr>
-          <p:cNvPr id="3" name="Content Placeholder 2"/>
+          <p:cNvPr id="3" name="Content Placeholder 2">
+            <a:extLst>
+              <a:ext uri="{FF2B5EF4-FFF2-40B4-BE49-F238E27FC236}">
+                <a16:creationId xmlns:a16="http://schemas.microsoft.com/office/drawing/2014/main" id="{ABC11587-2091-532C-8999-24562A62F998}"/>
+              </a:ext>
+            </a:extLst>
+          </p:cNvPr>
           <p:cNvSpPr>
             <a:spLocks noGrp="1"/>
           </p:cNvSpPr>
@@ -10539,66 +10707,113 @@
         </p:nvSpPr>
         <p:spPr>
           <a:xfrm>
-            <a:off x="457200" y="2182761"/>
-            <a:ext cx="8229600" cy="3509220"/>
+            <a:off x="533399" y="2336872"/>
+            <a:ext cx="7961671" cy="4339231"/>
           </a:xfrm>
         </p:spPr>
         <p:txBody>
           <a:bodyPr>
-            <a:normAutofit fontScale="92500" lnSpcReduction="10000"/>
+            <a:normAutofit fontScale="40000" lnSpcReduction="20000"/>
           </a:bodyPr>
           <a:lstStyle/>
           <a:p>
-            <a:r>
-              <a:rPr dirty="0"/>
-              <a:t>Frontend Technologies:</a:t>
-            </a:r>
-          </a:p>
-          <a:p>
-            <a:r>
-              <a:rPr dirty="0"/>
-              <a:t>HTML5 – Structure of the portfolio website</a:t>
-            </a:r>
-          </a:p>
-          <a:p>
-            <a:r>
-              <a:rPr dirty="0"/>
-              <a:t>CSS3 – Styling and responsive layouts</a:t>
-            </a:r>
-          </a:p>
-          <a:p>
-            <a:r>
-              <a:rPr dirty="0"/>
-              <a:t>JavaScript – Interactive elements (navigation, filtering, animations)</a:t>
-            </a:r>
-          </a:p>
-          <a:p>
-            <a:r>
-              <a:rPr dirty="0"/>
-              <a:t>Design Approach:</a:t>
-            </a:r>
-          </a:p>
-          <a:p>
-            <a:r>
-              <a:rPr dirty="0"/>
-              <a:t>Modern and minimal UI/UX design</a:t>
-            </a:r>
-          </a:p>
-          <a:p>
-            <a:r>
-              <a:rPr dirty="0"/>
-              <a:t>Mobile-first responsive design</a:t>
-            </a:r>
-          </a:p>
-          <a:p>
-            <a:r>
-              <a:rPr dirty="0"/>
-              <a:t>Clear separation of HTML, CSS, and JS files for modularity</a:t>
-            </a:r>
+            <a:pPr>
+              <a:lnSpc>
+                <a:spcPct val="170000"/>
+              </a:lnSpc>
+            </a:pPr>
+            <a:r>
+              <a:rPr lang="en-US" sz="3800" b="1" dirty="0"/>
+              <a:t>1. Core Technology Stack:</a:t>
+            </a:r>
+            <a:endParaRPr lang="en-US" sz="3800" dirty="0"/>
+          </a:p>
+          <a:p>
+            <a:pPr>
+              <a:lnSpc>
+                <a:spcPct val="170000"/>
+              </a:lnSpc>
+            </a:pPr>
+            <a:r>
+              <a:rPr lang="en-US" sz="3800" b="1" dirty="0"/>
+              <a:t>HTML5:</a:t>
+            </a:r>
+            <a:r>
+              <a:rPr lang="en-US" sz="3800" dirty="0"/>
+              <a:t> Provides the semantic skeleton of the website, ensuring a logical structure, accessibility, and SEO-friendly foundation. Utilizes modern elements like &lt;header&gt;, &lt;section&gt;, &lt;article&gt;, and &lt;nav&gt; for clear content definition.</a:t>
+            </a:r>
+          </a:p>
+          <a:p>
+            <a:pPr>
+              <a:lnSpc>
+                <a:spcPct val="170000"/>
+              </a:lnSpc>
+            </a:pPr>
+            <a:r>
+              <a:rPr lang="en-US" sz="3800" b="1" dirty="0"/>
+              <a:t>CSS3:</a:t>
+            </a:r>
+            <a:r>
+              <a:rPr lang="en-US" sz="3800" dirty="0"/>
+              <a:t> Drives the complete visual presentation and user experience. Implements:</a:t>
+            </a:r>
+          </a:p>
+          <a:p>
+            <a:pPr lvl="1">
+              <a:lnSpc>
+                <a:spcPct val="170000"/>
+              </a:lnSpc>
+            </a:pPr>
+            <a:r>
+              <a:rPr lang="en-US" sz="3800" b="1" dirty="0"/>
+              <a:t>Flexbox &amp; CSS Grid:</a:t>
+            </a:r>
+            <a:r>
+              <a:rPr lang="en-US" sz="3800" dirty="0"/>
+              <a:t> For creating complex, responsive, and fluid layouts that adapt seamlessly to all screen sizes.</a:t>
+            </a:r>
+          </a:p>
+          <a:p>
+            <a:pPr lvl="1">
+              <a:lnSpc>
+                <a:spcPct val="170000"/>
+              </a:lnSpc>
+            </a:pPr>
+            <a:r>
+              <a:rPr lang="en-US" sz="3800" b="1" dirty="0"/>
+              <a:t>Custom Properties (CSS Variables):</a:t>
+            </a:r>
+            <a:r>
+              <a:rPr lang="en-US" sz="3800" dirty="0"/>
+              <a:t> For maintaining a consistent theme (colors, fonts, spacings) and enabling easy future modifications.</a:t>
+            </a:r>
+          </a:p>
+          <a:p>
+            <a:pPr lvl="1">
+              <a:lnSpc>
+                <a:spcPct val="170000"/>
+              </a:lnSpc>
+            </a:pPr>
+            <a:r>
+              <a:rPr lang="en-US" sz="3800" b="1" dirty="0"/>
+              <a:t>Animations &amp; Transitions:</a:t>
+            </a:r>
+            <a:r>
+              <a:rPr lang="en-US" sz="3800" dirty="0"/>
+              <a:t> For enhancing user engagement with smooth scroll behaviors, hover effects, and section transitions.</a:t>
+            </a:r>
+          </a:p>
+          <a:p>
+            <a:endParaRPr lang="en-IN" dirty="0"/>
           </a:p>
         </p:txBody>
       </p:sp>
     </p:spTree>
+    <p:extLst>
+      <p:ext uri="{BB962C8B-B14F-4D97-AF65-F5344CB8AC3E}">
+        <p14:creationId xmlns:p14="http://schemas.microsoft.com/office/powerpoint/2010/main" val="355290900"/>
+      </p:ext>
+    </p:extLst>
   </p:cSld>
   <p:clrMapOvr>
     <a:masterClrMapping/>
@@ -10628,7 +10843,7 @@
           <p:cNvPr id="2" name="Title 1">
             <a:extLst>
               <a:ext uri="{FF2B5EF4-FFF2-40B4-BE49-F238E27FC236}">
-                <a16:creationId xmlns:a16="http://schemas.microsoft.com/office/drawing/2014/main" id="{C6EDB2B8-43AB-2387-190D-3C33E23C43A2}"/>
+                <a16:creationId xmlns:a16="http://schemas.microsoft.com/office/drawing/2014/main" id="{C4932748-23D5-89FF-B030-F1FC59CA630A}"/>
               </a:ext>
             </a:extLst>
           </p:cNvPr>
@@ -10656,7 +10871,7 @@
           <p:cNvPr id="3" name="Content Placeholder 2">
             <a:extLst>
               <a:ext uri="{FF2B5EF4-FFF2-40B4-BE49-F238E27FC236}">
-                <a16:creationId xmlns:a16="http://schemas.microsoft.com/office/drawing/2014/main" id="{ABC11587-2091-532C-8999-24562A62F998}"/>
+                <a16:creationId xmlns:a16="http://schemas.microsoft.com/office/drawing/2014/main" id="{6F931EDB-B6B7-16F0-0BFF-0502BBBC62FC}"/>
               </a:ext>
             </a:extLst>
           </p:cNvPr>
@@ -10667,75 +10882,43 @@
             <p:ph idx="1"/>
           </p:nvPr>
         </p:nvSpPr>
-        <p:spPr>
-          <a:xfrm>
-            <a:off x="533400" y="2336872"/>
-            <a:ext cx="7224252" cy="3896779"/>
-          </a:xfrm>
-        </p:spPr>
-        <p:txBody>
-          <a:bodyPr>
-            <a:normAutofit fontScale="92500" lnSpcReduction="20000"/>
-          </a:bodyPr>
+        <p:spPr/>
+        <p:txBody>
+          <a:bodyPr/>
           <a:lstStyle/>
           <a:p>
             <a:r>
-              <a:rPr lang="en-US" sz="2100" b="1" dirty="0"/>
-              <a:t>1. Core Technology Stack:</a:t>
-            </a:r>
-            <a:endParaRPr lang="en-US" sz="2100" dirty="0"/>
-          </a:p>
-          <a:p>
-            <a:r>
-              <a:rPr lang="en-US" sz="2100" b="1" dirty="0"/>
-              <a:t>HTML5:</a:t>
-            </a:r>
-            <a:r>
-              <a:rPr lang="en-US" sz="2100" dirty="0"/>
-              <a:t> Provides the semantic skeleton of the website, ensuring a logical structure, accessibility, and SEO-friendly foundation. Utilizes modern elements like &lt;header&gt;, &lt;section&gt;, &lt;article&gt;, and &lt;nav&gt; for clear content definition.</a:t>
-            </a:r>
-          </a:p>
-          <a:p>
-            <a:r>
-              <a:rPr lang="en-US" sz="2100" b="1" dirty="0"/>
-              <a:t>CSS3:</a:t>
-            </a:r>
-            <a:r>
-              <a:rPr lang="en-US" sz="2100" dirty="0"/>
-              <a:t> Drives the complete visual presentation and user experience. Implements:</a:t>
-            </a:r>
+              <a:rPr lang="en-US" b="1" dirty="0"/>
+              <a:t>Key Features:</a:t>
+            </a:r>
+            <a:endParaRPr lang="en-US" dirty="0"/>
           </a:p>
           <a:p>
             <a:pPr lvl="1"/>
             <a:r>
-              <a:rPr lang="en-US" sz="2100" b="1" dirty="0"/>
-              <a:t>Flexbox &amp; CSS Grid:</a:t>
-            </a:r>
-            <a:r>
-              <a:rPr lang="en-US" sz="2100" dirty="0"/>
-              <a:t> For creating complex, responsive, and fluid layouts that adapt seamlessly to all screen sizes.</a:t>
+              <a:rPr lang="en-US" dirty="0"/>
+              <a:t>Semantic HTML for accessibility and SEO.</a:t>
             </a:r>
           </a:p>
           <a:p>
             <a:pPr lvl="1"/>
             <a:r>
-              <a:rPr lang="en-US" sz="2100" b="1" dirty="0"/>
-              <a:t>Custom Properties (CSS Variables):</a:t>
-            </a:r>
-            <a:r>
-              <a:rPr lang="en-US" sz="2100" dirty="0"/>
-              <a:t> For maintaining a consistent theme (colors, fonts, spacings) and enabling easy future modifications.</a:t>
+              <a:rPr lang="en-US" dirty="0"/>
+              <a:t>CSS Custom Properties for consistent theming.</a:t>
             </a:r>
           </a:p>
           <a:p>
             <a:pPr lvl="1"/>
             <a:r>
-              <a:rPr lang="en-US" sz="2100" b="1" dirty="0"/>
-              <a:t>Animations &amp; Transitions:</a:t>
-            </a:r>
-            <a:r>
-              <a:rPr lang="en-US" sz="2100" dirty="0"/>
-              <a:t> For enhancing user engagement with smooth scroll behaviors, hover effects, and section transitions.</a:t>
+              <a:rPr lang="en-US" dirty="0"/>
+              <a:t>Dynamic content rendering and DOM manipulation with JavaScript.</a:t>
+            </a:r>
+          </a:p>
+          <a:p>
+            <a:pPr lvl="1"/>
+            <a:r>
+              <a:rPr lang="en-US" dirty="0"/>
+              <a:t>Smooth animations and transitions for enhanced UX.</a:t>
             </a:r>
           </a:p>
           <a:p>
@@ -10746,7 +10929,7 @@
     </p:spTree>
     <p:extLst>
       <p:ext uri="{BB962C8B-B14F-4D97-AF65-F5344CB8AC3E}">
-        <p14:creationId xmlns:p14="http://schemas.microsoft.com/office/powerpoint/2010/main" val="355290900"/>
+        <p14:creationId xmlns:p14="http://schemas.microsoft.com/office/powerpoint/2010/main" val="466365113"/>
       </p:ext>
     </p:extLst>
   </p:cSld>
@@ -10775,13 +10958,7 @@
       </p:grpSpPr>
       <p:sp>
         <p:nvSpPr>
-          <p:cNvPr id="2" name="Title 1">
-            <a:extLst>
-              <a:ext uri="{FF2B5EF4-FFF2-40B4-BE49-F238E27FC236}">
-                <a16:creationId xmlns:a16="http://schemas.microsoft.com/office/drawing/2014/main" id="{C4932748-23D5-89FF-B030-F1FC59CA630A}"/>
-              </a:ext>
-            </a:extLst>
-          </p:cNvPr>
+          <p:cNvPr id="2" name="Title 1"/>
           <p:cNvSpPr>
             <a:spLocks noGrp="1"/>
           </p:cNvSpPr>
@@ -10795,21 +10972,15 @@
           <a:lstStyle/>
           <a:p>
             <a:r>
-              <a:rPr lang="en-IN" dirty="0"/>
-              <a:t>System Approach</a:t>
-            </a:r>
-          </a:p>
-        </p:txBody>
-      </p:sp>
-      <p:sp>
-        <p:nvSpPr>
-          <p:cNvPr id="3" name="Content Placeholder 2">
-            <a:extLst>
-              <a:ext uri="{FF2B5EF4-FFF2-40B4-BE49-F238E27FC236}">
-                <a16:creationId xmlns:a16="http://schemas.microsoft.com/office/drawing/2014/main" id="{6F931EDB-B6B7-16F0-0BFF-0502BBBC62FC}"/>
-              </a:ext>
-            </a:extLst>
-          </p:cNvPr>
+              <a:rPr dirty="0"/>
+              <a:t>Algorithm &amp; Deployment</a:t>
+            </a:r>
+          </a:p>
+        </p:txBody>
+      </p:sp>
+      <p:sp>
+        <p:nvSpPr>
+          <p:cNvPr id="3" name="Content Placeholder 2"/>
           <p:cNvSpPr>
             <a:spLocks noGrp="1"/>
           </p:cNvSpPr>
@@ -10817,56 +10988,83 @@
             <p:ph idx="1"/>
           </p:nvPr>
         </p:nvSpPr>
-        <p:spPr/>
-        <p:txBody>
-          <a:bodyPr/>
+        <p:spPr>
+          <a:xfrm>
+            <a:off x="462116" y="2025445"/>
+            <a:ext cx="8116529" cy="3666536"/>
+          </a:xfrm>
+        </p:spPr>
+        <p:txBody>
+          <a:bodyPr>
+            <a:normAutofit fontScale="77500" lnSpcReduction="20000"/>
+          </a:bodyPr>
           <a:lstStyle/>
           <a:p>
-            <a:r>
-              <a:rPr lang="en-US" b="1" dirty="0"/>
-              <a:t>Key Features:</a:t>
-            </a:r>
-            <a:endParaRPr lang="en-US" dirty="0"/>
-          </a:p>
-          <a:p>
-            <a:pPr lvl="1"/>
-            <a:r>
-              <a:rPr lang="en-US" dirty="0"/>
-              <a:t>Semantic HTML for accessibility and SEO.</a:t>
-            </a:r>
-          </a:p>
-          <a:p>
-            <a:pPr lvl="1"/>
-            <a:r>
-              <a:rPr lang="en-US" dirty="0"/>
-              <a:t>CSS Custom Properties for consistent theming.</a:t>
-            </a:r>
-          </a:p>
-          <a:p>
-            <a:pPr lvl="1"/>
-            <a:r>
-              <a:rPr lang="en-US" dirty="0"/>
-              <a:t>Dynamic content rendering and DOM manipulation with JavaScript.</a:t>
-            </a:r>
-          </a:p>
-          <a:p>
-            <a:pPr lvl="1"/>
-            <a:r>
-              <a:rPr lang="en-US" dirty="0"/>
-              <a:t>Smooth animations and transitions for enhanced UX.</a:t>
-            </a:r>
-          </a:p>
-          <a:p>
-            <a:endParaRPr lang="en-IN" dirty="0"/>
+            <a:pPr>
+              <a:lnSpc>
+                <a:spcPct val="120000"/>
+              </a:lnSpc>
+            </a:pPr>
+            <a:endParaRPr dirty="0"/>
+          </a:p>
+          <a:p>
+            <a:pPr>
+              <a:lnSpc>
+                <a:spcPct val="120000"/>
+              </a:lnSpc>
+            </a:pPr>
+            <a:r>
+              <a:rPr dirty="0"/>
+              <a:t>Portfolio Content Creation – Collect personal details, skills, projects, and achievements.</a:t>
+            </a:r>
+          </a:p>
+          <a:p>
+            <a:pPr>
+              <a:lnSpc>
+                <a:spcPct val="120000"/>
+              </a:lnSpc>
+            </a:pPr>
+            <a:r>
+              <a:rPr dirty="0"/>
+              <a:t>Frontend Design – Layout with HTML and CSS (sections for About, Skills, Projects, Contact).</a:t>
+            </a:r>
+          </a:p>
+          <a:p>
+            <a:pPr>
+              <a:lnSpc>
+                <a:spcPct val="120000"/>
+              </a:lnSpc>
+            </a:pPr>
+            <a:r>
+              <a:rPr dirty="0"/>
+              <a:t>Interactive Features – Smooth navigation, project filtering, modal views, contact form integration.</a:t>
+            </a:r>
+          </a:p>
+          <a:p>
+            <a:pPr>
+              <a:lnSpc>
+                <a:spcPct val="120000"/>
+              </a:lnSpc>
+            </a:pPr>
+            <a:r>
+              <a:rPr dirty="0"/>
+              <a:t>Testing – Browser compatibility, responsiveness on different devices.</a:t>
+            </a:r>
+          </a:p>
+          <a:p>
+            <a:pPr>
+              <a:lnSpc>
+                <a:spcPct val="120000"/>
+              </a:lnSpc>
+            </a:pPr>
+            <a:r>
+              <a:rPr dirty="0"/>
+              <a:t>Deployment – Host using GitHub Pages / Netlify for free and easy access.</a:t>
+            </a:r>
           </a:p>
         </p:txBody>
       </p:sp>
     </p:spTree>
-    <p:extLst>
-      <p:ext uri="{BB962C8B-B14F-4D97-AF65-F5344CB8AC3E}">
-        <p14:creationId xmlns:p14="http://schemas.microsoft.com/office/powerpoint/2010/main" val="466365113"/>
-      </p:ext>
-    </p:extLst>
   </p:cSld>
   <p:clrMapOvr>
     <a:masterClrMapping/>
